--- a/misc/presentation/knowlegde-base.pptx
+++ b/misc/presentation/knowlegde-base.pptx
@@ -8,9 +8,14 @@
     <p:sldId id="256" r:id="rId2"/>
     <p:sldId id="257" r:id="rId3"/>
     <p:sldId id="258" r:id="rId4"/>
-    <p:sldId id="259" r:id="rId5"/>
-    <p:sldId id="260" r:id="rId6"/>
-    <p:sldId id="261" r:id="rId7"/>
+    <p:sldId id="262" r:id="rId5"/>
+    <p:sldId id="263" r:id="rId6"/>
+    <p:sldId id="259" r:id="rId7"/>
+    <p:sldId id="260" r:id="rId8"/>
+    <p:sldId id="264" r:id="rId9"/>
+    <p:sldId id="265" r:id="rId10"/>
+    <p:sldId id="261" r:id="rId11"/>
+    <p:sldId id="266" r:id="rId12"/>
   </p:sldIdLst>
   <p:sldSz cx="12192000" cy="6858000"/>
   <p:notesSz cx="6858000" cy="9144000"/>
@@ -109,6 +114,11 @@
       </a:defRPr>
     </a:lvl9pPr>
   </p:defaultTextStyle>
+  <p:extLst>
+    <p:ext uri="{EFAFB233-063F-42B5-8137-9DF3F51BA10A}">
+      <p15:sldGuideLst xmlns:p15="http://schemas.microsoft.com/office/powerpoint/2012/main"/>
+    </p:ext>
+  </p:extLst>
 </p:presentation>
 </file>
 
@@ -259,7 +269,7 @@
           <a:p>
             <a:fld id="{6E50DA7F-3366-4243-8951-169B4E79F354}" type="datetimeFigureOut">
               <a:rPr lang="pt-BR" smtClean="0"/>
-              <a:t>07/03/2021</a:t>
+              <a:t>08/03/2021</a:t>
             </a:fld>
             <a:endParaRPr lang="pt-BR"/>
           </a:p>
@@ -457,7 +467,7 @@
           <a:p>
             <a:fld id="{6E50DA7F-3366-4243-8951-169B4E79F354}" type="datetimeFigureOut">
               <a:rPr lang="pt-BR" smtClean="0"/>
-              <a:t>07/03/2021</a:t>
+              <a:t>08/03/2021</a:t>
             </a:fld>
             <a:endParaRPr lang="pt-BR"/>
           </a:p>
@@ -665,7 +675,7 @@
           <a:p>
             <a:fld id="{6E50DA7F-3366-4243-8951-169B4E79F354}" type="datetimeFigureOut">
               <a:rPr lang="pt-BR" smtClean="0"/>
-              <a:t>07/03/2021</a:t>
+              <a:t>08/03/2021</a:t>
             </a:fld>
             <a:endParaRPr lang="pt-BR"/>
           </a:p>
@@ -863,7 +873,7 @@
           <a:p>
             <a:fld id="{6E50DA7F-3366-4243-8951-169B4E79F354}" type="datetimeFigureOut">
               <a:rPr lang="pt-BR" smtClean="0"/>
-              <a:t>07/03/2021</a:t>
+              <a:t>08/03/2021</a:t>
             </a:fld>
             <a:endParaRPr lang="pt-BR"/>
           </a:p>
@@ -1138,7 +1148,7 @@
           <a:p>
             <a:fld id="{6E50DA7F-3366-4243-8951-169B4E79F354}" type="datetimeFigureOut">
               <a:rPr lang="pt-BR" smtClean="0"/>
-              <a:t>07/03/2021</a:t>
+              <a:t>08/03/2021</a:t>
             </a:fld>
             <a:endParaRPr lang="pt-BR"/>
           </a:p>
@@ -1403,7 +1413,7 @@
           <a:p>
             <a:fld id="{6E50DA7F-3366-4243-8951-169B4E79F354}" type="datetimeFigureOut">
               <a:rPr lang="pt-BR" smtClean="0"/>
-              <a:t>07/03/2021</a:t>
+              <a:t>08/03/2021</a:t>
             </a:fld>
             <a:endParaRPr lang="pt-BR"/>
           </a:p>
@@ -1815,7 +1825,7 @@
           <a:p>
             <a:fld id="{6E50DA7F-3366-4243-8951-169B4E79F354}" type="datetimeFigureOut">
               <a:rPr lang="pt-BR" smtClean="0"/>
-              <a:t>07/03/2021</a:t>
+              <a:t>08/03/2021</a:t>
             </a:fld>
             <a:endParaRPr lang="pt-BR"/>
           </a:p>
@@ -1956,7 +1966,7 @@
           <a:p>
             <a:fld id="{6E50DA7F-3366-4243-8951-169B4E79F354}" type="datetimeFigureOut">
               <a:rPr lang="pt-BR" smtClean="0"/>
-              <a:t>07/03/2021</a:t>
+              <a:t>08/03/2021</a:t>
             </a:fld>
             <a:endParaRPr lang="pt-BR"/>
           </a:p>
@@ -2069,7 +2079,7 @@
           <a:p>
             <a:fld id="{6E50DA7F-3366-4243-8951-169B4E79F354}" type="datetimeFigureOut">
               <a:rPr lang="pt-BR" smtClean="0"/>
-              <a:t>07/03/2021</a:t>
+              <a:t>08/03/2021</a:t>
             </a:fld>
             <a:endParaRPr lang="pt-BR"/>
           </a:p>
@@ -2380,7 +2390,7 @@
           <a:p>
             <a:fld id="{6E50DA7F-3366-4243-8951-169B4E79F354}" type="datetimeFigureOut">
               <a:rPr lang="pt-BR" smtClean="0"/>
-              <a:t>07/03/2021</a:t>
+              <a:t>08/03/2021</a:t>
             </a:fld>
             <a:endParaRPr lang="pt-BR"/>
           </a:p>
@@ -2668,7 +2678,7 @@
           <a:p>
             <a:fld id="{6E50DA7F-3366-4243-8951-169B4E79F354}" type="datetimeFigureOut">
               <a:rPr lang="pt-BR" smtClean="0"/>
-              <a:t>07/03/2021</a:t>
+              <a:t>08/03/2021</a:t>
             </a:fld>
             <a:endParaRPr lang="pt-BR"/>
           </a:p>
@@ -2909,7 +2919,7 @@
           <a:p>
             <a:fld id="{6E50DA7F-3366-4243-8951-169B4E79F354}" type="datetimeFigureOut">
               <a:rPr lang="pt-BR" smtClean="0"/>
-              <a:t>07/03/2021</a:t>
+              <a:t>08/03/2021</a:t>
             </a:fld>
             <a:endParaRPr lang="pt-BR"/>
           </a:p>
@@ -3406,6 +3416,515 @@
 </p:sld>
 </file>
 
+<file path=ppt/slides/slide10.xml><?xml version="1.0" encoding="utf-8"?>
+<p:sld xmlns:a="http://schemas.openxmlformats.org/drawingml/2006/main" xmlns:r="http://schemas.openxmlformats.org/officeDocument/2006/relationships" xmlns:p="http://schemas.openxmlformats.org/presentationml/2006/main">
+  <p:cSld>
+    <p:spTree>
+      <p:nvGrpSpPr>
+        <p:cNvPr id="1" name=""/>
+        <p:cNvGrpSpPr/>
+        <p:nvPr/>
+      </p:nvGrpSpPr>
+      <p:grpSpPr>
+        <a:xfrm>
+          <a:off x="0" y="0"/>
+          <a:ext cx="0" cy="0"/>
+          <a:chOff x="0" y="0"/>
+          <a:chExt cx="0" cy="0"/>
+        </a:xfrm>
+      </p:grpSpPr>
+      <p:sp>
+        <p:nvSpPr>
+          <p:cNvPr id="2" name="Título 1">
+            <a:extLst>
+              <a:ext uri="{FF2B5EF4-FFF2-40B4-BE49-F238E27FC236}">
+                <a16:creationId xmlns:a16="http://schemas.microsoft.com/office/drawing/2014/main" id="{70549FC6-9732-4AC1-9608-48AE5A97F177}"/>
+              </a:ext>
+            </a:extLst>
+          </p:cNvPr>
+          <p:cNvSpPr>
+            <a:spLocks noGrp="1"/>
+          </p:cNvSpPr>
+          <p:nvPr>
+            <p:ph type="title"/>
+          </p:nvPr>
+        </p:nvSpPr>
+        <p:spPr/>
+        <p:txBody>
+          <a:bodyPr/>
+          <a:lstStyle/>
+          <a:p>
+            <a:r>
+              <a:rPr lang="pt-BR" dirty="0" err="1"/>
+              <a:t>Delegation</a:t>
+            </a:r>
+            <a:r>
+              <a:rPr lang="pt-BR" dirty="0"/>
+              <a:t> </a:t>
+            </a:r>
+            <a:r>
+              <a:rPr lang="pt-BR" dirty="0" err="1"/>
+              <a:t>Code</a:t>
+            </a:r>
+            <a:r>
+              <a:rPr lang="pt-BR" dirty="0"/>
+              <a:t> - Java </a:t>
+            </a:r>
+            <a:r>
+              <a:rPr lang="pt-BR"/>
+              <a:t>Delegate</a:t>
+            </a:r>
+            <a:endParaRPr lang="pt-BR" dirty="0"/>
+          </a:p>
+        </p:txBody>
+      </p:sp>
+      <p:sp>
+        <p:nvSpPr>
+          <p:cNvPr id="3" name="Espaço Reservado para Conteúdo 2">
+            <a:extLst>
+              <a:ext uri="{FF2B5EF4-FFF2-40B4-BE49-F238E27FC236}">
+                <a16:creationId xmlns:a16="http://schemas.microsoft.com/office/drawing/2014/main" id="{A1B12106-59C9-4830-B594-3D6E370C9B54}"/>
+              </a:ext>
+            </a:extLst>
+          </p:cNvPr>
+          <p:cNvSpPr>
+            <a:spLocks noGrp="1"/>
+          </p:cNvSpPr>
+          <p:nvPr>
+            <p:ph idx="1"/>
+          </p:nvPr>
+        </p:nvSpPr>
+        <p:spPr>
+          <a:xfrm>
+            <a:off x="838200" y="1807087"/>
+            <a:ext cx="10880188" cy="4685788"/>
+          </a:xfrm>
+        </p:spPr>
+        <p:txBody>
+          <a:bodyPr>
+            <a:normAutofit fontScale="85000" lnSpcReduction="20000"/>
+          </a:bodyPr>
+          <a:lstStyle/>
+          <a:p>
+            <a:r>
+              <a:rPr lang="pt-BR" dirty="0"/>
+              <a:t>Segue o mesmo conceito do </a:t>
+            </a:r>
+            <a:r>
+              <a:rPr lang="pt-BR" dirty="0" err="1"/>
+              <a:t>Delegate</a:t>
+            </a:r>
+            <a:r>
+              <a:rPr lang="pt-BR" dirty="0"/>
+              <a:t> </a:t>
+            </a:r>
+            <a:r>
+              <a:rPr lang="pt-BR" dirty="0" err="1"/>
+              <a:t>Variable</a:t>
+            </a:r>
+            <a:r>
+              <a:rPr lang="pt-BR" dirty="0"/>
+              <a:t> Mapping, aonde uma classe é chamada durante a execução do processo de um fluxo BPMN;</a:t>
+            </a:r>
+            <a:br>
+              <a:rPr lang="pt-BR" dirty="0"/>
+            </a:br>
+            <a:endParaRPr lang="pt-BR" dirty="0"/>
+          </a:p>
+          <a:p>
+            <a:r>
+              <a:rPr lang="pt-BR" dirty="0"/>
+              <a:t>Pode ser atribuída a Service </a:t>
+            </a:r>
+            <a:r>
+              <a:rPr lang="pt-BR" dirty="0" err="1"/>
+              <a:t>Tasks</a:t>
+            </a:r>
+            <a:r>
+              <a:rPr lang="pt-BR" dirty="0"/>
+              <a:t> como a propriedade </a:t>
+            </a:r>
+            <a:r>
+              <a:rPr lang="pt-BR" b="1" dirty="0" err="1"/>
+              <a:t>Implementation</a:t>
+            </a:r>
+            <a:r>
+              <a:rPr lang="pt-BR" b="1" dirty="0"/>
+              <a:t>, </a:t>
+            </a:r>
+            <a:r>
+              <a:rPr lang="pt-BR" dirty="0"/>
+              <a:t>definida como “Java </a:t>
+            </a:r>
+            <a:r>
+              <a:rPr lang="pt-BR" dirty="0" err="1"/>
+              <a:t>Class</a:t>
+            </a:r>
+            <a:r>
+              <a:rPr lang="pt-BR" dirty="0"/>
+              <a:t>”.</a:t>
+            </a:r>
+            <a:br>
+              <a:rPr lang="pt-BR" dirty="0"/>
+            </a:br>
+            <a:endParaRPr lang="pt-BR" dirty="0"/>
+          </a:p>
+          <a:p>
+            <a:r>
+              <a:rPr lang="pt-BR" dirty="0"/>
+              <a:t>Para que uma classe possua o comportamento de “interceptador” dentro do fluxo do </a:t>
+            </a:r>
+            <a:r>
+              <a:rPr lang="pt-BR" dirty="0" err="1"/>
+              <a:t>Camunda</a:t>
+            </a:r>
+            <a:r>
+              <a:rPr lang="pt-BR" dirty="0"/>
+              <a:t>, ela deverá implementar a interface </a:t>
+            </a:r>
+            <a:r>
+              <a:rPr lang="pt-BR" dirty="0" err="1">
+                <a:solidFill>
+                  <a:srgbClr val="6A986A"/>
+                </a:solidFill>
+                <a:latin typeface="Courier New" panose="02070309020205020404" pitchFamily="49" charset="0"/>
+                <a:cs typeface="Courier New" panose="02070309020205020404" pitchFamily="49" charset="0"/>
+              </a:rPr>
+              <a:t>org.camunda.bpm.engine.delegate.JavaDelegate</a:t>
+            </a:r>
+            <a:br>
+              <a:rPr lang="pt-BR" dirty="0">
+                <a:solidFill>
+                  <a:srgbClr val="6A986A"/>
+                </a:solidFill>
+                <a:latin typeface="Courier New" panose="02070309020205020404" pitchFamily="49" charset="0"/>
+                <a:cs typeface="Courier New" panose="02070309020205020404" pitchFamily="49" charset="0"/>
+              </a:rPr>
+            </a:br>
+            <a:endParaRPr lang="pt-BR" dirty="0">
+              <a:solidFill>
+                <a:srgbClr val="6A986A"/>
+              </a:solidFill>
+              <a:latin typeface="Courier New" panose="02070309020205020404" pitchFamily="49" charset="0"/>
+              <a:cs typeface="Courier New" panose="02070309020205020404" pitchFamily="49" charset="0"/>
+            </a:endParaRPr>
+          </a:p>
+          <a:p>
+            <a:r>
+              <a:rPr lang="pt-BR" dirty="0"/>
+              <a:t>Necessário sobrescrever o método:</a:t>
+            </a:r>
+            <a:br>
+              <a:rPr lang="pt-BR" dirty="0">
+                <a:solidFill>
+                  <a:srgbClr val="555555"/>
+                </a:solidFill>
+                <a:latin typeface="Menlo"/>
+              </a:rPr>
+            </a:br>
+            <a:r>
+              <a:rPr lang="pt-BR" dirty="0">
+                <a:solidFill>
+                  <a:srgbClr val="555555"/>
+                </a:solidFill>
+                <a:latin typeface="Menlo"/>
+              </a:rPr>
+              <a:t>	</a:t>
+            </a:r>
+            <a:r>
+              <a:rPr kumimoji="0" lang="pt-BR" altLang="pt-BR" sz="2800" b="0" i="0" u="none" strike="noStrike" cap="none" normalizeH="0" baseline="0" dirty="0">
+                <a:ln>
+                  <a:noFill/>
+                </a:ln>
+                <a:solidFill>
+                  <a:srgbClr val="6A986A"/>
+                </a:solidFill>
+                <a:effectLst/>
+                <a:latin typeface="Courier New" panose="02070309020205020404" pitchFamily="49" charset="0"/>
+                <a:cs typeface="Courier New" panose="02070309020205020404" pitchFamily="49" charset="0"/>
+              </a:rPr>
+              <a:t>execute</a:t>
+            </a:r>
+            <a:r>
+              <a:rPr kumimoji="0" lang="pt-BR" altLang="pt-BR" sz="2800" b="0" i="0" u="none" strike="noStrike" cap="none" normalizeH="0" baseline="0" dirty="0">
+                <a:ln>
+                  <a:noFill/>
+                </a:ln>
+                <a:solidFill>
+                  <a:srgbClr val="555555"/>
+                </a:solidFill>
+                <a:effectLst/>
+                <a:latin typeface="Courier New" panose="02070309020205020404" pitchFamily="49" charset="0"/>
+                <a:cs typeface="Courier New" panose="02070309020205020404" pitchFamily="49" charset="0"/>
+              </a:rPr>
+              <a:t>(</a:t>
+            </a:r>
+            <a:r>
+              <a:rPr kumimoji="0" lang="pt-BR" altLang="pt-BR" sz="2800" b="0" i="0" u="none" strike="noStrike" cap="none" normalizeH="0" baseline="0" dirty="0" err="1">
+                <a:ln>
+                  <a:noFill/>
+                </a:ln>
+                <a:solidFill>
+                  <a:srgbClr val="333333"/>
+                </a:solidFill>
+                <a:effectLst/>
+                <a:latin typeface="Courier New" panose="02070309020205020404" pitchFamily="49" charset="0"/>
+                <a:cs typeface="Courier New" panose="02070309020205020404" pitchFamily="49" charset="0"/>
+              </a:rPr>
+              <a:t>DelegateExecution</a:t>
+            </a:r>
+            <a:r>
+              <a:rPr kumimoji="0" lang="pt-BR" altLang="pt-BR" sz="2800" b="0" i="0" u="none" strike="noStrike" cap="none" normalizeH="0" baseline="0" dirty="0">
+                <a:ln>
+                  <a:noFill/>
+                </a:ln>
+                <a:solidFill>
+                  <a:srgbClr val="333333"/>
+                </a:solidFill>
+                <a:effectLst/>
+                <a:latin typeface="Courier New" panose="02070309020205020404" pitchFamily="49" charset="0"/>
+                <a:cs typeface="Courier New" panose="02070309020205020404" pitchFamily="49" charset="0"/>
+              </a:rPr>
+              <a:t> </a:t>
+            </a:r>
+            <a:r>
+              <a:rPr kumimoji="0" lang="pt-BR" altLang="pt-BR" sz="2800" b="0" i="0" u="none" strike="noStrike" cap="none" normalizeH="0" baseline="0" dirty="0" err="1">
+                <a:ln>
+                  <a:noFill/>
+                </a:ln>
+                <a:solidFill>
+                  <a:srgbClr val="333333"/>
+                </a:solidFill>
+                <a:effectLst/>
+                <a:latin typeface="Courier New" panose="02070309020205020404" pitchFamily="49" charset="0"/>
+                <a:cs typeface="Courier New" panose="02070309020205020404" pitchFamily="49" charset="0"/>
+              </a:rPr>
+              <a:t>execution</a:t>
+            </a:r>
+            <a:r>
+              <a:rPr kumimoji="0" lang="pt-BR" altLang="pt-BR" sz="2800" b="0" i="0" u="none" strike="noStrike" cap="none" normalizeH="0" baseline="0" dirty="0">
+                <a:ln>
+                  <a:noFill/>
+                </a:ln>
+                <a:solidFill>
+                  <a:srgbClr val="555555"/>
+                </a:solidFill>
+                <a:effectLst/>
+                <a:latin typeface="Courier New" panose="02070309020205020404" pitchFamily="49" charset="0"/>
+                <a:cs typeface="Courier New" panose="02070309020205020404" pitchFamily="49" charset="0"/>
+              </a:rPr>
+              <a:t>)</a:t>
+            </a:r>
+            <a:r>
+              <a:rPr kumimoji="0" lang="pt-BR" altLang="pt-BR" sz="4000" b="0" i="0" u="none" strike="noStrike" cap="none" normalizeH="0" baseline="0" dirty="0">
+                <a:ln>
+                  <a:noFill/>
+                </a:ln>
+                <a:solidFill>
+                  <a:schemeClr val="tx1"/>
+                </a:solidFill>
+                <a:effectLst/>
+              </a:rPr>
+              <a:t> </a:t>
+            </a:r>
+            <a:endParaRPr kumimoji="0" lang="pt-BR" altLang="pt-BR" sz="6000" b="0" i="0" u="none" strike="noStrike" cap="none" normalizeH="0" baseline="0" dirty="0">
+              <a:ln>
+                <a:noFill/>
+              </a:ln>
+              <a:solidFill>
+                <a:schemeClr val="tx1"/>
+              </a:solidFill>
+              <a:effectLst/>
+              <a:latin typeface="Arial" panose="020B0604020202020204" pitchFamily="34" charset="0"/>
+            </a:endParaRPr>
+          </a:p>
+          <a:p>
+            <a:endParaRPr lang="pt-BR" b="0" i="0" dirty="0">
+              <a:solidFill>
+                <a:srgbClr val="555555"/>
+              </a:solidFill>
+              <a:effectLst/>
+              <a:latin typeface="Menlo"/>
+            </a:endParaRPr>
+          </a:p>
+          <a:p>
+            <a:pPr marL="0" indent="0">
+              <a:buNone/>
+            </a:pPr>
+            <a:r>
+              <a:rPr lang="pt-BR" dirty="0"/>
+              <a:t> </a:t>
+            </a:r>
+          </a:p>
+        </p:txBody>
+      </p:sp>
+      <p:sp>
+        <p:nvSpPr>
+          <p:cNvPr id="5" name="Rectangle 2">
+            <a:extLst>
+              <a:ext uri="{FF2B5EF4-FFF2-40B4-BE49-F238E27FC236}">
+                <a16:creationId xmlns:a16="http://schemas.microsoft.com/office/drawing/2014/main" id="{07017ED0-6FCD-4893-81C1-F6C9186C9555}"/>
+              </a:ext>
+            </a:extLst>
+          </p:cNvPr>
+          <p:cNvSpPr>
+            <a:spLocks noChangeArrowheads="1"/>
+          </p:cNvSpPr>
+          <p:nvPr/>
+        </p:nvSpPr>
+        <p:spPr bwMode="auto">
+          <a:xfrm>
+            <a:off x="0" y="9975"/>
+            <a:ext cx="65" cy="437249"/>
+          </a:xfrm>
+          <a:prstGeom prst="rect">
+            <a:avLst/>
+          </a:prstGeom>
+          <a:solidFill>
+            <a:srgbClr val="EEEEEE"/>
+          </a:solidFill>
+          <a:ln>
+            <a:noFill/>
+          </a:ln>
+          <a:effectLst/>
+          <a:extLst>
+            <a:ext uri="{91240B29-F687-4F45-9708-019B960494DF}">
+              <a14:hiddenLine xmlns:a14="http://schemas.microsoft.com/office/drawing/2010/main" w="9525">
+                <a:solidFill>
+                  <a:schemeClr val="tx1"/>
+                </a:solidFill>
+                <a:miter lim="800000"/>
+                <a:headEnd/>
+                <a:tailEnd/>
+              </a14:hiddenLine>
+            </a:ext>
+            <a:ext uri="{AF507438-7753-43E0-B8FC-AC1667EBCBE1}">
+              <a14:hiddenEffects xmlns:a14="http://schemas.microsoft.com/office/drawing/2010/main">
+                <a:effectLst>
+                  <a:outerShdw dist="35921" dir="2700000" algn="ctr" rotWithShape="0">
+                    <a:schemeClr val="bg2"/>
+                  </a:outerShdw>
+                </a:effectLst>
+              </a14:hiddenEffects>
+            </a:ext>
+          </a:extLst>
+        </p:spPr>
+        <p:txBody>
+          <a:bodyPr vert="horz" wrap="none" lIns="0" tIns="79350" rIns="0" bIns="79350" numCol="1" anchor="ctr" anchorCtr="0" compatLnSpc="1">
+            <a:prstTxWarp prst="textNoShape">
+              <a:avLst/>
+            </a:prstTxWarp>
+            <a:spAutoFit/>
+          </a:bodyPr>
+          <a:lstStyle/>
+          <a:p>
+            <a:pPr marL="0" marR="0" lvl="0" indent="0" algn="l" defTabSz="914400" rtl="0" eaLnBrk="0" fontAlgn="base" latinLnBrk="0" hangingPunct="0">
+              <a:lnSpc>
+                <a:spcPct val="100000"/>
+              </a:lnSpc>
+              <a:spcBef>
+                <a:spcPct val="0"/>
+              </a:spcBef>
+              <a:spcAft>
+                <a:spcPct val="0"/>
+              </a:spcAft>
+              <a:buClrTx/>
+              <a:buSzTx/>
+              <a:buFontTx/>
+              <a:buNone/>
+              <a:tabLst/>
+            </a:pPr>
+            <a:endParaRPr kumimoji="0" lang="pt-BR" altLang="pt-BR" sz="1800" b="0" i="0" u="none" strike="noStrike" cap="none" normalizeH="0" baseline="0" dirty="0">
+              <a:ln>
+                <a:noFill/>
+              </a:ln>
+              <a:solidFill>
+                <a:schemeClr val="tx1"/>
+              </a:solidFill>
+              <a:effectLst/>
+              <a:latin typeface="Arial" panose="020B0604020202020204" pitchFamily="34" charset="0"/>
+            </a:endParaRPr>
+          </a:p>
+        </p:txBody>
+      </p:sp>
+    </p:spTree>
+    <p:extLst>
+      <p:ext uri="{BB962C8B-B14F-4D97-AF65-F5344CB8AC3E}">
+        <p14:creationId xmlns:p14="http://schemas.microsoft.com/office/powerpoint/2010/main" val="2073690118"/>
+      </p:ext>
+    </p:extLst>
+  </p:cSld>
+  <p:clrMapOvr>
+    <a:masterClrMapping/>
+  </p:clrMapOvr>
+</p:sld>
+</file>
+
+<file path=ppt/slides/slide11.xml><?xml version="1.0" encoding="utf-8"?>
+<p:sld xmlns:a="http://schemas.openxmlformats.org/drawingml/2006/main" xmlns:r="http://schemas.openxmlformats.org/officeDocument/2006/relationships" xmlns:p="http://schemas.openxmlformats.org/presentationml/2006/main">
+  <p:cSld>
+    <p:spTree>
+      <p:nvGrpSpPr>
+        <p:cNvPr id="1" name=""/>
+        <p:cNvGrpSpPr/>
+        <p:nvPr/>
+      </p:nvGrpSpPr>
+      <p:grpSpPr>
+        <a:xfrm>
+          <a:off x="0" y="0"/>
+          <a:ext cx="0" cy="0"/>
+          <a:chOff x="0" y="0"/>
+          <a:chExt cx="0" cy="0"/>
+        </a:xfrm>
+      </p:grpSpPr>
+      <p:sp>
+        <p:nvSpPr>
+          <p:cNvPr id="2" name="Título 1">
+            <a:extLst>
+              <a:ext uri="{FF2B5EF4-FFF2-40B4-BE49-F238E27FC236}">
+                <a16:creationId xmlns:a16="http://schemas.microsoft.com/office/drawing/2014/main" id="{FEAC2710-6A9F-409C-BE66-5B0CF7E571CE}"/>
+              </a:ext>
+            </a:extLst>
+          </p:cNvPr>
+          <p:cNvSpPr>
+            <a:spLocks noGrp="1"/>
+          </p:cNvSpPr>
+          <p:nvPr>
+            <p:ph type="title"/>
+          </p:nvPr>
+        </p:nvSpPr>
+        <p:spPr>
+          <a:xfrm>
+            <a:off x="4523936" y="2766218"/>
+            <a:ext cx="4831080" cy="1325563"/>
+          </a:xfrm>
+        </p:spPr>
+        <p:txBody>
+          <a:bodyPr>
+            <a:noAutofit/>
+          </a:bodyPr>
+          <a:lstStyle/>
+          <a:p>
+            <a:r>
+              <a:rPr lang="pt-BR" sz="8800" dirty="0"/>
+              <a:t>DEMO</a:t>
+            </a:r>
+          </a:p>
+        </p:txBody>
+      </p:sp>
+    </p:spTree>
+    <p:extLst>
+      <p:ext uri="{BB962C8B-B14F-4D97-AF65-F5344CB8AC3E}">
+        <p14:creationId xmlns:p14="http://schemas.microsoft.com/office/powerpoint/2010/main" val="2749150145"/>
+      </p:ext>
+    </p:extLst>
+  </p:cSld>
+  <p:clrMapOvr>
+    <a:masterClrMapping/>
+  </p:clrMapOvr>
+</p:sld>
+</file>
+
 <file path=ppt/slides/slide2.xml><?xml version="1.0" encoding="utf-8"?>
 <p:sld xmlns:a="http://schemas.openxmlformats.org/drawingml/2006/main" xmlns:r="http://schemas.openxmlformats.org/officeDocument/2006/relationships" xmlns:p="http://schemas.openxmlformats.org/presentationml/2006/main">
   <p:cSld>
@@ -3622,35 +4141,140 @@
               <a:rPr lang="pt-BR" dirty="0" err="1"/>
               <a:t>Activity</a:t>
             </a:r>
+            <a:r>
+              <a:rPr lang="pt-BR" dirty="0"/>
+              <a:t> - Definição</a:t>
+            </a:r>
+          </a:p>
+        </p:txBody>
+      </p:sp>
+      <p:sp>
+        <p:nvSpPr>
+          <p:cNvPr id="3" name="Espaço Reservado para Conteúdo 2">
+            <a:extLst>
+              <a:ext uri="{FF2B5EF4-FFF2-40B4-BE49-F238E27FC236}">
+                <a16:creationId xmlns:a16="http://schemas.microsoft.com/office/drawing/2014/main" id="{F1B69490-BBC3-44D6-9C33-4F00C34529CC}"/>
+              </a:ext>
+            </a:extLst>
+          </p:cNvPr>
+          <p:cNvSpPr>
+            <a:spLocks noGrp="1"/>
+          </p:cNvSpPr>
+          <p:nvPr>
+            <p:ph idx="1"/>
+          </p:nvPr>
+        </p:nvSpPr>
+        <p:spPr/>
+        <p:txBody>
+          <a:bodyPr/>
+          <a:lstStyle/>
+          <a:p>
+            <a:r>
+              <a:rPr lang="pt-BR" dirty="0"/>
+              <a:t>Trata-se de um elemento responsável por invocar um processo externo ao “</a:t>
+            </a:r>
+            <a:r>
+              <a:rPr lang="pt-BR" dirty="0" err="1"/>
+              <a:t>process</a:t>
+            </a:r>
+            <a:r>
+              <a:rPr lang="pt-BR" dirty="0"/>
+              <a:t> </a:t>
+            </a:r>
+            <a:r>
+              <a:rPr lang="pt-BR" dirty="0" err="1"/>
+              <a:t>definition</a:t>
+            </a:r>
+            <a:r>
+              <a:rPr lang="pt-BR" dirty="0"/>
+              <a:t>” corrente;</a:t>
+            </a:r>
+          </a:p>
+          <a:p>
+            <a:r>
+              <a:rPr lang="pt-BR" dirty="0"/>
+              <a:t>Quando o fluxo se deparada com uma “</a:t>
+            </a:r>
+            <a:r>
+              <a:rPr lang="pt-BR" dirty="0" err="1"/>
+              <a:t>Call</a:t>
+            </a:r>
+            <a:r>
+              <a:rPr lang="pt-BR" dirty="0"/>
+              <a:t> </a:t>
+            </a:r>
+            <a:r>
+              <a:rPr lang="pt-BR" dirty="0" err="1"/>
+              <a:t>Activity</a:t>
+            </a:r>
+            <a:r>
+              <a:rPr lang="pt-BR" dirty="0"/>
+              <a:t>”, é criado uma nova instância do processo é criada para execução dos subprocessos;</a:t>
+            </a:r>
+          </a:p>
+          <a:p>
+            <a:r>
+              <a:rPr lang="pt-BR" dirty="0"/>
+              <a:t>A “</a:t>
+            </a:r>
+            <a:r>
+              <a:rPr lang="pt-BR" dirty="0" err="1"/>
+              <a:t>Call</a:t>
+            </a:r>
+            <a:r>
+              <a:rPr lang="pt-BR" dirty="0"/>
+              <a:t> </a:t>
+            </a:r>
+            <a:r>
+              <a:rPr lang="pt-BR" dirty="0" err="1"/>
+              <a:t>Activity</a:t>
+            </a:r>
+            <a:r>
+              <a:rPr lang="pt-BR" dirty="0"/>
+              <a:t>” aguarda a finalização do subprocesso em execução para que siga para o próximo passo.</a:t>
+            </a:r>
+          </a:p>
+          <a:p>
+            <a:pPr marL="0" indent="0">
+              <a:buNone/>
+            </a:pPr>
             <a:endParaRPr lang="pt-BR" dirty="0"/>
           </a:p>
-        </p:txBody>
-      </p:sp>
-      <p:sp>
-        <p:nvSpPr>
-          <p:cNvPr id="3" name="Espaço Reservado para Conteúdo 2">
-            <a:extLst>
-              <a:ext uri="{FF2B5EF4-FFF2-40B4-BE49-F238E27FC236}">
-                <a16:creationId xmlns:a16="http://schemas.microsoft.com/office/drawing/2014/main" id="{F1B69490-BBC3-44D6-9C33-4F00C34529CC}"/>
-              </a:ext>
-            </a:extLst>
-          </p:cNvPr>
-          <p:cNvSpPr>
-            <a:spLocks noGrp="1"/>
-          </p:cNvSpPr>
-          <p:nvPr>
-            <p:ph idx="1"/>
-          </p:nvPr>
-        </p:nvSpPr>
-        <p:spPr/>
-        <p:txBody>
-          <a:bodyPr/>
-          <a:lstStyle/>
-          <a:p>
-            <a:endParaRPr lang="pt-BR"/>
-          </a:p>
-        </p:txBody>
-      </p:sp>
+          <a:p>
+            <a:endParaRPr lang="pt-BR" dirty="0"/>
+          </a:p>
+        </p:txBody>
+      </p:sp>
+      <p:pic>
+        <p:nvPicPr>
+          <p:cNvPr id="5" name="Imagem 4">
+            <a:extLst>
+              <a:ext uri="{FF2B5EF4-FFF2-40B4-BE49-F238E27FC236}">
+                <a16:creationId xmlns:a16="http://schemas.microsoft.com/office/drawing/2014/main" id="{9F406C8B-A7D6-4335-856B-6CE72A1AECBA}"/>
+              </a:ext>
+            </a:extLst>
+          </p:cNvPr>
+          <p:cNvPicPr>
+            <a:picLocks noChangeAspect="1"/>
+          </p:cNvPicPr>
+          <p:nvPr/>
+        </p:nvPicPr>
+        <p:blipFill>
+          <a:blip r:embed="rId2"/>
+          <a:stretch>
+            <a:fillRect/>
+          </a:stretch>
+        </p:blipFill>
+        <p:spPr>
+          <a:xfrm>
+            <a:off x="7852335" y="4667472"/>
+            <a:ext cx="3730065" cy="1509491"/>
+          </a:xfrm>
+          <a:prstGeom prst="rect">
+            <a:avLst/>
+          </a:prstGeom>
+        </p:spPr>
+      </p:pic>
     </p:spTree>
     <p:extLst>
       <p:ext uri="{BB962C8B-B14F-4D97-AF65-F5344CB8AC3E}">
@@ -3686,7 +4310,7 @@
           <p:cNvPr id="2" name="Título 1">
             <a:extLst>
               <a:ext uri="{FF2B5EF4-FFF2-40B4-BE49-F238E27FC236}">
-                <a16:creationId xmlns:a16="http://schemas.microsoft.com/office/drawing/2014/main" id="{38554409-145C-4D76-818D-E05868F41D99}"/>
+                <a16:creationId xmlns:a16="http://schemas.microsoft.com/office/drawing/2014/main" id="{02065422-E9B8-4046-AE15-1D3AEB48E020}"/>
               </a:ext>
             </a:extLst>
           </p:cNvPr>
@@ -3703,57 +4327,354 @@
           <a:lstStyle/>
           <a:p>
             <a:r>
-              <a:rPr lang="pt-BR" dirty="0"/>
-              <a:t>Service </a:t>
-            </a:r>
-            <a:r>
               <a:rPr lang="pt-BR" dirty="0" err="1"/>
-              <a:t>Task</a:t>
-            </a:r>
-            <a:r>
-              <a:rPr lang="pt-BR" dirty="0"/>
-              <a:t> (as Java </a:t>
+              <a:t>Call</a:t>
+            </a:r>
+            <a:r>
+              <a:rPr lang="pt-BR" dirty="0"/>
+              <a:t> </a:t>
             </a:r>
             <a:r>
               <a:rPr lang="pt-BR" dirty="0" err="1"/>
-              <a:t>Class</a:t>
+              <a:t>Activity</a:t>
+            </a:r>
+            <a:r>
+              <a:rPr lang="pt-BR" dirty="0"/>
+              <a:t> - Configuração</a:t>
+            </a:r>
+          </a:p>
+        </p:txBody>
+      </p:sp>
+      <p:pic>
+        <p:nvPicPr>
+          <p:cNvPr id="5" name="Espaço Reservado para Conteúdo 4">
+            <a:extLst>
+              <a:ext uri="{FF2B5EF4-FFF2-40B4-BE49-F238E27FC236}">
+                <a16:creationId xmlns:a16="http://schemas.microsoft.com/office/drawing/2014/main" id="{124A4951-692C-4C92-A0D6-38286C52BD52}"/>
+              </a:ext>
+            </a:extLst>
+          </p:cNvPr>
+          <p:cNvPicPr>
+            <a:picLocks noGrp="1" noChangeAspect="1"/>
+          </p:cNvPicPr>
+          <p:nvPr>
+            <p:ph idx="1"/>
+          </p:nvPr>
+        </p:nvPicPr>
+        <p:blipFill>
+          <a:blip r:embed="rId2"/>
+          <a:stretch>
+            <a:fillRect/>
+          </a:stretch>
+        </p:blipFill>
+        <p:spPr>
+          <a:xfrm>
+            <a:off x="9240078" y="1849714"/>
+            <a:ext cx="2660374" cy="4490906"/>
+          </a:xfrm>
+        </p:spPr>
+      </p:pic>
+      <p:sp>
+        <p:nvSpPr>
+          <p:cNvPr id="8" name="Espaço Reservado para Conteúdo 2">
+            <a:extLst>
+              <a:ext uri="{FF2B5EF4-FFF2-40B4-BE49-F238E27FC236}">
+                <a16:creationId xmlns:a16="http://schemas.microsoft.com/office/drawing/2014/main" id="{E940D70F-C072-4DF6-AD54-EA65FE1982EA}"/>
+              </a:ext>
+            </a:extLst>
+          </p:cNvPr>
+          <p:cNvSpPr txBox="1">
+            <a:spLocks/>
+          </p:cNvSpPr>
+          <p:nvPr/>
+        </p:nvSpPr>
+        <p:spPr>
+          <a:xfrm>
+            <a:off x="838200" y="1494320"/>
+            <a:ext cx="10515600" cy="4351338"/>
+          </a:xfrm>
+          <a:prstGeom prst="rect">
+            <a:avLst/>
+          </a:prstGeom>
+        </p:spPr>
+        <p:txBody>
+          <a:bodyPr vert="horz" lIns="91440" tIns="45720" rIns="91440" bIns="45720" rtlCol="0">
+            <a:normAutofit/>
+          </a:bodyPr>
+          <a:lstStyle>
+            <a:lvl1pPr marL="228600" indent="-228600" algn="l" defTabSz="914400" rtl="0" eaLnBrk="1" latinLnBrk="0" hangingPunct="1">
+              <a:lnSpc>
+                <a:spcPct val="90000"/>
+              </a:lnSpc>
+              <a:spcBef>
+                <a:spcPts val="1000"/>
+              </a:spcBef>
+              <a:buFont typeface="Arial" panose="020B0604020202020204" pitchFamily="34" charset="0"/>
+              <a:buChar char="•"/>
+              <a:defRPr sz="2800" kern="1200">
+                <a:solidFill>
+                  <a:schemeClr val="tx1"/>
+                </a:solidFill>
+                <a:latin typeface="+mn-lt"/>
+                <a:ea typeface="+mn-ea"/>
+                <a:cs typeface="+mn-cs"/>
+              </a:defRPr>
+            </a:lvl1pPr>
+            <a:lvl2pPr marL="685800" indent="-228600" algn="l" defTabSz="914400" rtl="0" eaLnBrk="1" latinLnBrk="0" hangingPunct="1">
+              <a:lnSpc>
+                <a:spcPct val="90000"/>
+              </a:lnSpc>
+              <a:spcBef>
+                <a:spcPts val="500"/>
+              </a:spcBef>
+              <a:buFont typeface="Arial" panose="020B0604020202020204" pitchFamily="34" charset="0"/>
+              <a:buChar char="•"/>
+              <a:defRPr sz="2400" kern="1200">
+                <a:solidFill>
+                  <a:schemeClr val="tx1"/>
+                </a:solidFill>
+                <a:latin typeface="+mn-lt"/>
+                <a:ea typeface="+mn-ea"/>
+                <a:cs typeface="+mn-cs"/>
+              </a:defRPr>
+            </a:lvl2pPr>
+            <a:lvl3pPr marL="1143000" indent="-228600" algn="l" defTabSz="914400" rtl="0" eaLnBrk="1" latinLnBrk="0" hangingPunct="1">
+              <a:lnSpc>
+                <a:spcPct val="90000"/>
+              </a:lnSpc>
+              <a:spcBef>
+                <a:spcPts val="500"/>
+              </a:spcBef>
+              <a:buFont typeface="Arial" panose="020B0604020202020204" pitchFamily="34" charset="0"/>
+              <a:buChar char="•"/>
+              <a:defRPr sz="2000" kern="1200">
+                <a:solidFill>
+                  <a:schemeClr val="tx1"/>
+                </a:solidFill>
+                <a:latin typeface="+mn-lt"/>
+                <a:ea typeface="+mn-ea"/>
+                <a:cs typeface="+mn-cs"/>
+              </a:defRPr>
+            </a:lvl3pPr>
+            <a:lvl4pPr marL="1600200" indent="-228600" algn="l" defTabSz="914400" rtl="0" eaLnBrk="1" latinLnBrk="0" hangingPunct="1">
+              <a:lnSpc>
+                <a:spcPct val="90000"/>
+              </a:lnSpc>
+              <a:spcBef>
+                <a:spcPts val="500"/>
+              </a:spcBef>
+              <a:buFont typeface="Arial" panose="020B0604020202020204" pitchFamily="34" charset="0"/>
+              <a:buChar char="•"/>
+              <a:defRPr sz="1800" kern="1200">
+                <a:solidFill>
+                  <a:schemeClr val="tx1"/>
+                </a:solidFill>
+                <a:latin typeface="+mn-lt"/>
+                <a:ea typeface="+mn-ea"/>
+                <a:cs typeface="+mn-cs"/>
+              </a:defRPr>
+            </a:lvl4pPr>
+            <a:lvl5pPr marL="2057400" indent="-228600" algn="l" defTabSz="914400" rtl="0" eaLnBrk="1" latinLnBrk="0" hangingPunct="1">
+              <a:lnSpc>
+                <a:spcPct val="90000"/>
+              </a:lnSpc>
+              <a:spcBef>
+                <a:spcPts val="500"/>
+              </a:spcBef>
+              <a:buFont typeface="Arial" panose="020B0604020202020204" pitchFamily="34" charset="0"/>
+              <a:buChar char="•"/>
+              <a:defRPr sz="1800" kern="1200">
+                <a:solidFill>
+                  <a:schemeClr val="tx1"/>
+                </a:solidFill>
+                <a:latin typeface="+mn-lt"/>
+                <a:ea typeface="+mn-ea"/>
+                <a:cs typeface="+mn-cs"/>
+              </a:defRPr>
+            </a:lvl5pPr>
+            <a:lvl6pPr marL="2514600" indent="-228600" algn="l" defTabSz="914400" rtl="0" eaLnBrk="1" latinLnBrk="0" hangingPunct="1">
+              <a:lnSpc>
+                <a:spcPct val="90000"/>
+              </a:lnSpc>
+              <a:spcBef>
+                <a:spcPts val="500"/>
+              </a:spcBef>
+              <a:buFont typeface="Arial" panose="020B0604020202020204" pitchFamily="34" charset="0"/>
+              <a:buChar char="•"/>
+              <a:defRPr sz="1800" kern="1200">
+                <a:solidFill>
+                  <a:schemeClr val="tx1"/>
+                </a:solidFill>
+                <a:latin typeface="+mn-lt"/>
+                <a:ea typeface="+mn-ea"/>
+                <a:cs typeface="+mn-cs"/>
+              </a:defRPr>
+            </a:lvl6pPr>
+            <a:lvl7pPr marL="2971800" indent="-228600" algn="l" defTabSz="914400" rtl="0" eaLnBrk="1" latinLnBrk="0" hangingPunct="1">
+              <a:lnSpc>
+                <a:spcPct val="90000"/>
+              </a:lnSpc>
+              <a:spcBef>
+                <a:spcPts val="500"/>
+              </a:spcBef>
+              <a:buFont typeface="Arial" panose="020B0604020202020204" pitchFamily="34" charset="0"/>
+              <a:buChar char="•"/>
+              <a:defRPr sz="1800" kern="1200">
+                <a:solidFill>
+                  <a:schemeClr val="tx1"/>
+                </a:solidFill>
+                <a:latin typeface="+mn-lt"/>
+                <a:ea typeface="+mn-ea"/>
+                <a:cs typeface="+mn-cs"/>
+              </a:defRPr>
+            </a:lvl7pPr>
+            <a:lvl8pPr marL="3429000" indent="-228600" algn="l" defTabSz="914400" rtl="0" eaLnBrk="1" latinLnBrk="0" hangingPunct="1">
+              <a:lnSpc>
+                <a:spcPct val="90000"/>
+              </a:lnSpc>
+              <a:spcBef>
+                <a:spcPts val="500"/>
+              </a:spcBef>
+              <a:buFont typeface="Arial" panose="020B0604020202020204" pitchFamily="34" charset="0"/>
+              <a:buChar char="•"/>
+              <a:defRPr sz="1800" kern="1200">
+                <a:solidFill>
+                  <a:schemeClr val="tx1"/>
+                </a:solidFill>
+                <a:latin typeface="+mn-lt"/>
+                <a:ea typeface="+mn-ea"/>
+                <a:cs typeface="+mn-cs"/>
+              </a:defRPr>
+            </a:lvl8pPr>
+            <a:lvl9pPr marL="3886200" indent="-228600" algn="l" defTabSz="914400" rtl="0" eaLnBrk="1" latinLnBrk="0" hangingPunct="1">
+              <a:lnSpc>
+                <a:spcPct val="90000"/>
+              </a:lnSpc>
+              <a:spcBef>
+                <a:spcPts val="500"/>
+              </a:spcBef>
+              <a:buFont typeface="Arial" panose="020B0604020202020204" pitchFamily="34" charset="0"/>
+              <a:buChar char="•"/>
+              <a:defRPr sz="1800" kern="1200">
+                <a:solidFill>
+                  <a:schemeClr val="tx1"/>
+                </a:solidFill>
+                <a:latin typeface="+mn-lt"/>
+                <a:ea typeface="+mn-ea"/>
+                <a:cs typeface="+mn-cs"/>
+              </a:defRPr>
+            </a:lvl9pPr>
+          </a:lstStyle>
+          <a:p>
+            <a:r>
+              <a:rPr lang="pt-BR" dirty="0"/>
+              <a:t>Basicamente para que seja configurada uma </a:t>
+            </a:r>
+            <a:br>
+              <a:rPr lang="pt-BR" dirty="0"/>
+            </a:br>
+            <a:r>
+              <a:rPr lang="pt-BR" dirty="0" err="1"/>
+              <a:t>Call</a:t>
+            </a:r>
+            <a:r>
+              <a:rPr lang="pt-BR" dirty="0"/>
+              <a:t> </a:t>
+            </a:r>
+            <a:r>
+              <a:rPr lang="pt-BR" dirty="0" err="1"/>
+              <a:t>Activity</a:t>
+            </a:r>
+            <a:r>
+              <a:rPr lang="pt-BR" dirty="0"/>
+              <a:t>, basta definir o seu tipo (</a:t>
+            </a:r>
+            <a:r>
+              <a:rPr lang="pt-BR" dirty="0" err="1"/>
+              <a:t>CallActivity</a:t>
+            </a:r>
+            <a:r>
+              <a:rPr lang="pt-BR" dirty="0"/>
+              <a:t> </a:t>
+            </a:r>
+            <a:r>
+              <a:rPr lang="pt-BR" dirty="0" err="1"/>
+              <a:t>Type</a:t>
             </a:r>
             <a:r>
               <a:rPr lang="pt-BR" dirty="0"/>
               <a:t>)</a:t>
             </a:r>
-          </a:p>
-        </p:txBody>
-      </p:sp>
-      <p:sp>
-        <p:nvSpPr>
-          <p:cNvPr id="3" name="Espaço Reservado para Conteúdo 2">
-            <a:extLst>
-              <a:ext uri="{FF2B5EF4-FFF2-40B4-BE49-F238E27FC236}">
-                <a16:creationId xmlns:a16="http://schemas.microsoft.com/office/drawing/2014/main" id="{758D9785-502F-49CB-AD10-8D72D5BC5BFF}"/>
-              </a:ext>
-            </a:extLst>
-          </p:cNvPr>
-          <p:cNvSpPr>
-            <a:spLocks noGrp="1"/>
-          </p:cNvSpPr>
-          <p:nvPr>
-            <p:ph idx="1"/>
-          </p:nvPr>
-        </p:nvSpPr>
-        <p:spPr/>
-        <p:txBody>
-          <a:bodyPr/>
-          <a:lstStyle/>
-          <a:p>
-            <a:endParaRPr lang="pt-BR"/>
+            <a:br>
+              <a:rPr lang="pt-BR" dirty="0"/>
+            </a:br>
+            <a:r>
+              <a:rPr lang="pt-BR" dirty="0"/>
+              <a:t>e o nome do fluxo a ser invocado (</a:t>
+            </a:r>
+            <a:r>
+              <a:rPr lang="pt-BR" dirty="0" err="1"/>
+              <a:t>Called</a:t>
+            </a:r>
+            <a:r>
+              <a:rPr lang="pt-BR" dirty="0"/>
+              <a:t> </a:t>
+            </a:r>
+            <a:r>
+              <a:rPr lang="pt-BR" dirty="0" err="1"/>
+              <a:t>Element</a:t>
+            </a:r>
+            <a:r>
+              <a:rPr lang="pt-BR" dirty="0"/>
+              <a:t>);</a:t>
+            </a:r>
+          </a:p>
+          <a:p>
+            <a:r>
+              <a:rPr lang="pt-BR" dirty="0"/>
+              <a:t>Em nosso caso, tais propriedades serão definidas </a:t>
+            </a:r>
+            <a:br>
+              <a:rPr lang="pt-BR" dirty="0"/>
+            </a:br>
+            <a:r>
+              <a:rPr lang="pt-BR" dirty="0"/>
+              <a:t>respectivamente como </a:t>
+            </a:r>
+            <a:r>
+              <a:rPr lang="pt-BR" b="1" dirty="0"/>
+              <a:t>BPMN </a:t>
+            </a:r>
+            <a:r>
+              <a:rPr lang="pt-BR" dirty="0"/>
+              <a:t>e o </a:t>
+            </a:r>
+            <a:r>
+              <a:rPr lang="pt-BR" b="1" dirty="0"/>
+              <a:t>nome</a:t>
+            </a:r>
+            <a:r>
+              <a:rPr lang="pt-BR" dirty="0"/>
+              <a:t> do diagrama</a:t>
+            </a:r>
+            <a:br>
+              <a:rPr lang="pt-BR" dirty="0"/>
+            </a:br>
+            <a:r>
+              <a:rPr lang="pt-BR" dirty="0"/>
+              <a:t>de nosso subprocesso;</a:t>
+            </a:r>
+            <a:endParaRPr lang="pt-BR" b="1" dirty="0"/>
+          </a:p>
+          <a:p>
+            <a:endParaRPr lang="pt-BR" dirty="0"/>
           </a:p>
         </p:txBody>
       </p:sp>
     </p:spTree>
     <p:extLst>
       <p:ext uri="{BB962C8B-B14F-4D97-AF65-F5344CB8AC3E}">
-        <p14:creationId xmlns:p14="http://schemas.microsoft.com/office/powerpoint/2010/main" val="828465799"/>
+        <p14:creationId xmlns:p14="http://schemas.microsoft.com/office/powerpoint/2010/main" val="2904431776"/>
       </p:ext>
     </p:extLst>
   </p:cSld>
@@ -3785,7 +4706,7 @@
           <p:cNvPr id="2" name="Título 1">
             <a:extLst>
               <a:ext uri="{FF2B5EF4-FFF2-40B4-BE49-F238E27FC236}">
-                <a16:creationId xmlns:a16="http://schemas.microsoft.com/office/drawing/2014/main" id="{DB43FAB1-2214-44F1-8AA5-5B7BFF5DC63C}"/>
+                <a16:creationId xmlns:a16="http://schemas.microsoft.com/office/drawing/2014/main" id="{A68BB9CF-B6BF-427A-8BE3-3CC6A0E2642C}"/>
               </a:ext>
             </a:extLst>
           </p:cNvPr>
@@ -3796,14 +4717,19 @@
             <p:ph type="title"/>
           </p:nvPr>
         </p:nvSpPr>
-        <p:spPr/>
+        <p:spPr>
+          <a:xfrm>
+            <a:off x="655320" y="154110"/>
+            <a:ext cx="10515600" cy="1325563"/>
+          </a:xfrm>
+        </p:spPr>
         <p:txBody>
           <a:bodyPr/>
           <a:lstStyle/>
           <a:p>
             <a:r>
               <a:rPr lang="pt-BR" dirty="0" err="1"/>
-              <a:t>Delegation</a:t>
+              <a:t>Call</a:t>
             </a:r>
             <a:r>
               <a:rPr lang="pt-BR" dirty="0"/>
@@ -3811,60 +4737,49 @@
             </a:r>
             <a:r>
               <a:rPr lang="pt-BR" dirty="0" err="1"/>
-              <a:t>Code</a:t>
-            </a:r>
-            <a:r>
-              <a:rPr lang="pt-BR" dirty="0"/>
-              <a:t> - </a:t>
-            </a:r>
-            <a:r>
-              <a:rPr lang="pt-BR" dirty="0" err="1"/>
-              <a:t>Delegate</a:t>
-            </a:r>
-            <a:r>
-              <a:rPr lang="pt-BR" dirty="0"/>
-              <a:t> </a:t>
-            </a:r>
-            <a:r>
-              <a:rPr lang="pt-BR" dirty="0" err="1"/>
-              <a:t>Variable</a:t>
-            </a:r>
-            <a:r>
-              <a:rPr lang="pt-BR" dirty="0"/>
-              <a:t> Mapping</a:t>
-            </a:r>
-          </a:p>
-        </p:txBody>
-      </p:sp>
-      <p:sp>
-        <p:nvSpPr>
-          <p:cNvPr id="3" name="Espaço Reservado para Conteúdo 2">
-            <a:extLst>
-              <a:ext uri="{FF2B5EF4-FFF2-40B4-BE49-F238E27FC236}">
-                <a16:creationId xmlns:a16="http://schemas.microsoft.com/office/drawing/2014/main" id="{9F6C6F4F-FCF8-4913-BFE1-2D7207E0D0DC}"/>
-              </a:ext>
-            </a:extLst>
-          </p:cNvPr>
-          <p:cNvSpPr>
-            <a:spLocks noGrp="1"/>
-          </p:cNvSpPr>
-          <p:nvPr>
-            <p:ph idx="1"/>
-          </p:nvPr>
-        </p:nvSpPr>
-        <p:spPr/>
-        <p:txBody>
-          <a:bodyPr/>
-          <a:lstStyle/>
-          <a:p>
-            <a:endParaRPr lang="pt-BR" dirty="0"/>
-          </a:p>
-        </p:txBody>
-      </p:sp>
+              <a:t>Activity</a:t>
+            </a:r>
+            <a:r>
+              <a:rPr lang="pt-BR" dirty="0"/>
+              <a:t> – Diagrama </a:t>
+            </a:r>
+          </a:p>
+        </p:txBody>
+      </p:sp>
+      <p:pic>
+        <p:nvPicPr>
+          <p:cNvPr id="5" name="Imagem 4">
+            <a:extLst>
+              <a:ext uri="{FF2B5EF4-FFF2-40B4-BE49-F238E27FC236}">
+                <a16:creationId xmlns:a16="http://schemas.microsoft.com/office/drawing/2014/main" id="{A73774C4-CACA-44CD-94E3-DD5B5BFFF3F3}"/>
+              </a:ext>
+            </a:extLst>
+          </p:cNvPr>
+          <p:cNvPicPr>
+            <a:picLocks noChangeAspect="1"/>
+          </p:cNvPicPr>
+          <p:nvPr/>
+        </p:nvPicPr>
+        <p:blipFill>
+          <a:blip r:embed="rId2"/>
+          <a:stretch>
+            <a:fillRect/>
+          </a:stretch>
+        </p:blipFill>
+        <p:spPr>
+          <a:xfrm>
+            <a:off x="2787042" y="1076343"/>
+            <a:ext cx="7144749" cy="5781657"/>
+          </a:xfrm>
+          <a:prstGeom prst="rect">
+            <a:avLst/>
+          </a:prstGeom>
+        </p:spPr>
+      </p:pic>
     </p:spTree>
     <p:extLst>
       <p:ext uri="{BB962C8B-B14F-4D97-AF65-F5344CB8AC3E}">
-        <p14:creationId xmlns:p14="http://schemas.microsoft.com/office/powerpoint/2010/main" val="1295691648"/>
+        <p14:creationId xmlns:p14="http://schemas.microsoft.com/office/powerpoint/2010/main" val="4192022408"/>
       </p:ext>
     </p:extLst>
   </p:cSld>
@@ -3896,7 +4811,7 @@
           <p:cNvPr id="2" name="Título 1">
             <a:extLst>
               <a:ext uri="{FF2B5EF4-FFF2-40B4-BE49-F238E27FC236}">
-                <a16:creationId xmlns:a16="http://schemas.microsoft.com/office/drawing/2014/main" id="{70549FC6-9732-4AC1-9608-48AE5A97F177}"/>
+                <a16:creationId xmlns:a16="http://schemas.microsoft.com/office/drawing/2014/main" id="{38554409-145C-4D76-818D-E05868F41D99}"/>
               </a:ext>
             </a:extLst>
           </p:cNvPr>
@@ -3913,26 +4828,25 @@
           <a:lstStyle/>
           <a:p>
             <a:r>
+              <a:rPr lang="pt-BR" dirty="0"/>
+              <a:t>Service </a:t>
+            </a:r>
+            <a:r>
               <a:rPr lang="pt-BR" dirty="0" err="1"/>
-              <a:t>Delegation</a:t>
-            </a:r>
-            <a:r>
-              <a:rPr lang="pt-BR" dirty="0"/>
-              <a:t> </a:t>
+              <a:t>Task</a:t>
+            </a:r>
+            <a:r>
+              <a:rPr lang="pt-BR" dirty="0"/>
+              <a:t> (as Java </a:t>
             </a:r>
             <a:r>
               <a:rPr lang="pt-BR" dirty="0" err="1"/>
-              <a:t>Code</a:t>
-            </a:r>
-            <a:r>
-              <a:rPr lang="pt-BR" dirty="0"/>
-              <a:t> - Java </a:t>
-            </a:r>
-            <a:r>
-              <a:rPr lang="pt-BR"/>
-              <a:t>Delegate</a:t>
-            </a:r>
-            <a:endParaRPr lang="pt-BR" dirty="0"/>
+              <a:t>Class</a:t>
+            </a:r>
+            <a:r>
+              <a:rPr lang="pt-BR" dirty="0"/>
+              <a:t>)</a:t>
+            </a:r>
           </a:p>
         </p:txBody>
       </p:sp>
@@ -3941,7 +4855,7 @@
           <p:cNvPr id="3" name="Espaço Reservado para Conteúdo 2">
             <a:extLst>
               <a:ext uri="{FF2B5EF4-FFF2-40B4-BE49-F238E27FC236}">
-                <a16:creationId xmlns:a16="http://schemas.microsoft.com/office/drawing/2014/main" id="{A1B12106-59C9-4830-B594-3D6E370C9B54}"/>
+                <a16:creationId xmlns:a16="http://schemas.microsoft.com/office/drawing/2014/main" id="{758D9785-502F-49CB-AD10-8D72D5BC5BFF}"/>
               </a:ext>
             </a:extLst>
           </p:cNvPr>
@@ -3957,14 +4871,1222 @@
           <a:bodyPr/>
           <a:lstStyle/>
           <a:p>
-            <a:endParaRPr lang="pt-BR"/>
-          </a:p>
-        </p:txBody>
-      </p:sp>
+            <a:r>
+              <a:rPr lang="pt-BR" dirty="0"/>
+              <a:t>Podemos definir uma Service </a:t>
+            </a:r>
+            <a:r>
+              <a:rPr lang="pt-BR" dirty="0" err="1"/>
+              <a:t>Task</a:t>
+            </a:r>
+            <a:r>
+              <a:rPr lang="pt-BR" dirty="0"/>
+              <a:t> como sendo do tipo “Java </a:t>
+            </a:r>
+            <a:r>
+              <a:rPr lang="pt-BR" dirty="0" err="1"/>
+              <a:t>Class</a:t>
+            </a:r>
+            <a:r>
+              <a:rPr lang="pt-BR" dirty="0"/>
+              <a:t>”;</a:t>
+            </a:r>
+          </a:p>
+          <a:p>
+            <a:r>
+              <a:rPr lang="pt-BR" dirty="0"/>
+              <a:t>Isso nos permite com que uma classe Java possa ser invocada para realizar determinado trabalho;</a:t>
+            </a:r>
+          </a:p>
+          <a:p>
+            <a:r>
+              <a:rPr lang="pt-BR" dirty="0"/>
+              <a:t>No parâmetro “Java </a:t>
+            </a:r>
+            <a:r>
+              <a:rPr lang="pt-BR" dirty="0" err="1"/>
+              <a:t>Class</a:t>
+            </a:r>
+            <a:r>
+              <a:rPr lang="pt-BR" dirty="0"/>
+              <a:t>”, devemos informar o “caminho” até a classe que executará o trabalho;</a:t>
+            </a:r>
+          </a:p>
+          <a:p>
+            <a:r>
+              <a:rPr lang="pt-BR" dirty="0"/>
+              <a:t>A classe deve estar contida na mesma aplicação que o </a:t>
+            </a:r>
+            <a:r>
+              <a:rPr lang="pt-BR" dirty="0" err="1"/>
+              <a:t>process</a:t>
+            </a:r>
+            <a:r>
+              <a:rPr lang="pt-BR" dirty="0"/>
+              <a:t> server;</a:t>
+            </a:r>
+          </a:p>
+        </p:txBody>
+      </p:sp>
+      <p:pic>
+        <p:nvPicPr>
+          <p:cNvPr id="5" name="Imagem 4">
+            <a:extLst>
+              <a:ext uri="{FF2B5EF4-FFF2-40B4-BE49-F238E27FC236}">
+                <a16:creationId xmlns:a16="http://schemas.microsoft.com/office/drawing/2014/main" id="{7B4C80E4-F0B6-4E99-926C-DF389A5359BD}"/>
+              </a:ext>
+            </a:extLst>
+          </p:cNvPr>
+          <p:cNvPicPr>
+            <a:picLocks noChangeAspect="1"/>
+          </p:cNvPicPr>
+          <p:nvPr/>
+        </p:nvPicPr>
+        <p:blipFill>
+          <a:blip r:embed="rId2"/>
+          <a:stretch>
+            <a:fillRect/>
+          </a:stretch>
+        </p:blipFill>
+        <p:spPr>
+          <a:xfrm>
+            <a:off x="8869982" y="4760239"/>
+            <a:ext cx="2932811" cy="1909093"/>
+          </a:xfrm>
+          <a:prstGeom prst="rect">
+            <a:avLst/>
+          </a:prstGeom>
+        </p:spPr>
+      </p:pic>
     </p:spTree>
     <p:extLst>
       <p:ext uri="{BB962C8B-B14F-4D97-AF65-F5344CB8AC3E}">
-        <p14:creationId xmlns:p14="http://schemas.microsoft.com/office/powerpoint/2010/main" val="2073690118"/>
+        <p14:creationId xmlns:p14="http://schemas.microsoft.com/office/powerpoint/2010/main" val="828465799"/>
+      </p:ext>
+    </p:extLst>
+  </p:cSld>
+  <p:clrMapOvr>
+    <a:masterClrMapping/>
+  </p:clrMapOvr>
+</p:sld>
+</file>
+
+<file path=ppt/slides/slide7.xml><?xml version="1.0" encoding="utf-8"?>
+<p:sld xmlns:a="http://schemas.openxmlformats.org/drawingml/2006/main" xmlns:r="http://schemas.openxmlformats.org/officeDocument/2006/relationships" xmlns:p="http://schemas.openxmlformats.org/presentationml/2006/main">
+  <p:cSld>
+    <p:spTree>
+      <p:nvGrpSpPr>
+        <p:cNvPr id="1" name=""/>
+        <p:cNvGrpSpPr/>
+        <p:nvPr/>
+      </p:nvGrpSpPr>
+      <p:grpSpPr>
+        <a:xfrm>
+          <a:off x="0" y="0"/>
+          <a:ext cx="0" cy="0"/>
+          <a:chOff x="0" y="0"/>
+          <a:chExt cx="0" cy="0"/>
+        </a:xfrm>
+      </p:grpSpPr>
+      <p:sp>
+        <p:nvSpPr>
+          <p:cNvPr id="2" name="Título 1">
+            <a:extLst>
+              <a:ext uri="{FF2B5EF4-FFF2-40B4-BE49-F238E27FC236}">
+                <a16:creationId xmlns:a16="http://schemas.microsoft.com/office/drawing/2014/main" id="{DB43FAB1-2214-44F1-8AA5-5B7BFF5DC63C}"/>
+              </a:ext>
+            </a:extLst>
+          </p:cNvPr>
+          <p:cNvSpPr>
+            <a:spLocks noGrp="1"/>
+          </p:cNvSpPr>
+          <p:nvPr>
+            <p:ph type="title"/>
+          </p:nvPr>
+        </p:nvSpPr>
+        <p:spPr/>
+        <p:txBody>
+          <a:bodyPr/>
+          <a:lstStyle/>
+          <a:p>
+            <a:r>
+              <a:rPr lang="pt-BR" dirty="0" err="1"/>
+              <a:t>Delegation</a:t>
+            </a:r>
+            <a:r>
+              <a:rPr lang="pt-BR" dirty="0"/>
+              <a:t> </a:t>
+            </a:r>
+            <a:r>
+              <a:rPr lang="pt-BR" dirty="0" err="1"/>
+              <a:t>Code</a:t>
+            </a:r>
+            <a:r>
+              <a:rPr lang="pt-BR" dirty="0"/>
+              <a:t> - </a:t>
+            </a:r>
+            <a:r>
+              <a:rPr lang="pt-BR" dirty="0" err="1"/>
+              <a:t>Delegate</a:t>
+            </a:r>
+            <a:r>
+              <a:rPr lang="pt-BR" dirty="0"/>
+              <a:t> </a:t>
+            </a:r>
+            <a:r>
+              <a:rPr lang="pt-BR" dirty="0" err="1"/>
+              <a:t>Variable</a:t>
+            </a:r>
+            <a:r>
+              <a:rPr lang="pt-BR" dirty="0"/>
+              <a:t> Mapping</a:t>
+            </a:r>
+          </a:p>
+        </p:txBody>
+      </p:sp>
+      <p:sp>
+        <p:nvSpPr>
+          <p:cNvPr id="3" name="Espaço Reservado para Conteúdo 2">
+            <a:extLst>
+              <a:ext uri="{FF2B5EF4-FFF2-40B4-BE49-F238E27FC236}">
+                <a16:creationId xmlns:a16="http://schemas.microsoft.com/office/drawing/2014/main" id="{9F6C6F4F-FCF8-4913-BFE1-2D7207E0D0DC}"/>
+              </a:ext>
+            </a:extLst>
+          </p:cNvPr>
+          <p:cNvSpPr>
+            <a:spLocks noGrp="1"/>
+          </p:cNvSpPr>
+          <p:nvPr>
+            <p:ph idx="1"/>
+          </p:nvPr>
+        </p:nvSpPr>
+        <p:spPr>
+          <a:xfrm>
+            <a:off x="838199" y="1825625"/>
+            <a:ext cx="10809849" cy="4351338"/>
+          </a:xfrm>
+        </p:spPr>
+        <p:txBody>
+          <a:bodyPr>
+            <a:normAutofit fontScale="92500"/>
+          </a:bodyPr>
+          <a:lstStyle/>
+          <a:p>
+            <a:r>
+              <a:rPr lang="pt-BR" dirty="0"/>
+              <a:t>Disponível somente para </a:t>
+            </a:r>
+            <a:r>
+              <a:rPr lang="pt-BR" dirty="0" err="1"/>
+              <a:t>Tasks</a:t>
+            </a:r>
+            <a:r>
+              <a:rPr lang="pt-BR" dirty="0"/>
+              <a:t> do tipo “</a:t>
+            </a:r>
+            <a:r>
+              <a:rPr lang="pt-BR" dirty="0" err="1"/>
+              <a:t>Call</a:t>
+            </a:r>
+            <a:r>
+              <a:rPr lang="pt-BR" dirty="0"/>
+              <a:t> </a:t>
+            </a:r>
+            <a:r>
+              <a:rPr lang="pt-BR" dirty="0" err="1"/>
+              <a:t>Activity</a:t>
+            </a:r>
+            <a:r>
+              <a:rPr lang="pt-BR" dirty="0"/>
+              <a:t>”;</a:t>
+            </a:r>
+          </a:p>
+          <a:p>
+            <a:r>
+              <a:rPr lang="pt-BR" dirty="0"/>
+              <a:t>Permite o mapeamento de variáveis de entrada e saída de uma “</a:t>
+            </a:r>
+            <a:r>
+              <a:rPr lang="pt-BR" dirty="0" err="1"/>
+              <a:t>Call</a:t>
+            </a:r>
+            <a:r>
+              <a:rPr lang="pt-BR" dirty="0"/>
+              <a:t> </a:t>
+            </a:r>
+            <a:r>
+              <a:rPr lang="pt-BR" dirty="0" err="1"/>
+              <a:t>Activity</a:t>
+            </a:r>
+            <a:r>
+              <a:rPr lang="pt-BR" dirty="0"/>
+              <a:t>”;</a:t>
+            </a:r>
+          </a:p>
+          <a:p>
+            <a:r>
+              <a:rPr lang="pt-BR" dirty="0"/>
+              <a:t>Para que uma classe proporcione tal comportamento, deverá implementar a interface a </a:t>
+            </a:r>
+            <a:r>
+              <a:rPr lang="pt-PT" altLang="pt-BR" sz="2600" dirty="0">
+                <a:solidFill>
+                  <a:srgbClr val="6A986A"/>
+                </a:solidFill>
+                <a:latin typeface="Courier New" panose="02070309020205020404" pitchFamily="49" charset="0"/>
+                <a:cs typeface="Courier New" panose="02070309020205020404" pitchFamily="49" charset="0"/>
+              </a:rPr>
+              <a:t>org.camunda.bpm.engine.delegate.DelegateVariableMapping </a:t>
+            </a:r>
+          </a:p>
+          <a:p>
+            <a:r>
+              <a:rPr lang="pt-PT" altLang="pt-BR" dirty="0"/>
+              <a:t>Os métodos a seguir deverão ser implementados:</a:t>
+            </a:r>
+            <a:br>
+              <a:rPr lang="pt-PT" altLang="pt-BR" dirty="0"/>
+            </a:br>
+            <a:r>
+              <a:rPr lang="pt-PT" altLang="pt-BR" dirty="0"/>
+              <a:t>	</a:t>
+            </a:r>
+            <a:r>
+              <a:rPr lang="pt-BR" sz="2600" dirty="0" err="1">
+                <a:solidFill>
+                  <a:srgbClr val="6A986A"/>
+                </a:solidFill>
+                <a:latin typeface="Courier New" panose="02070309020205020404" pitchFamily="49" charset="0"/>
+                <a:cs typeface="Courier New" panose="02070309020205020404" pitchFamily="49" charset="0"/>
+              </a:rPr>
+              <a:t>mapInputVariables</a:t>
+            </a:r>
+            <a:r>
+              <a:rPr lang="pt-BR" sz="2600" dirty="0">
+                <a:solidFill>
+                  <a:srgbClr val="6A986A"/>
+                </a:solidFill>
+                <a:latin typeface="Courier New" panose="02070309020205020404" pitchFamily="49" charset="0"/>
+                <a:cs typeface="Courier New" panose="02070309020205020404" pitchFamily="49" charset="0"/>
+              </a:rPr>
+              <a:t>(</a:t>
+            </a:r>
+            <a:r>
+              <a:rPr lang="pt-BR" sz="2600" dirty="0" err="1">
+                <a:solidFill>
+                  <a:srgbClr val="6A986A"/>
+                </a:solidFill>
+                <a:latin typeface="Courier New" panose="02070309020205020404" pitchFamily="49" charset="0"/>
+                <a:cs typeface="Courier New" panose="02070309020205020404" pitchFamily="49" charset="0"/>
+              </a:rPr>
+              <a:t>DelegateExecution</a:t>
+            </a:r>
+            <a:r>
+              <a:rPr lang="pt-BR" sz="2600" dirty="0">
+                <a:solidFill>
+                  <a:srgbClr val="6A986A"/>
+                </a:solidFill>
+                <a:latin typeface="Courier New" panose="02070309020205020404" pitchFamily="49" charset="0"/>
+                <a:cs typeface="Courier New" panose="02070309020205020404" pitchFamily="49" charset="0"/>
+              </a:rPr>
+              <a:t>, </a:t>
+            </a:r>
+            <a:r>
+              <a:rPr lang="pt-BR" sz="2600" dirty="0" err="1">
+                <a:solidFill>
+                  <a:srgbClr val="6A986A"/>
+                </a:solidFill>
+                <a:latin typeface="Courier New" panose="02070309020205020404" pitchFamily="49" charset="0"/>
+                <a:cs typeface="Courier New" panose="02070309020205020404" pitchFamily="49" charset="0"/>
+              </a:rPr>
+              <a:t>VariableMap</a:t>
+            </a:r>
+            <a:r>
+              <a:rPr lang="pt-BR" sz="2600" dirty="0">
+                <a:solidFill>
+                  <a:srgbClr val="6A986A"/>
+                </a:solidFill>
+                <a:latin typeface="Courier New" panose="02070309020205020404" pitchFamily="49" charset="0"/>
+                <a:cs typeface="Courier New" panose="02070309020205020404" pitchFamily="49" charset="0"/>
+              </a:rPr>
+              <a:t>)</a:t>
+            </a:r>
+            <a:br>
+              <a:rPr lang="pt-BR" sz="2600" dirty="0">
+                <a:solidFill>
+                  <a:srgbClr val="6A986A"/>
+                </a:solidFill>
+                <a:latin typeface="Courier New" panose="02070309020205020404" pitchFamily="49" charset="0"/>
+                <a:cs typeface="Courier New" panose="02070309020205020404" pitchFamily="49" charset="0"/>
+              </a:rPr>
+            </a:br>
+            <a:r>
+              <a:rPr lang="pt-BR" sz="2600" dirty="0">
+                <a:solidFill>
+                  <a:srgbClr val="6A986A"/>
+                </a:solidFill>
+                <a:latin typeface="Courier New" panose="02070309020205020404" pitchFamily="49" charset="0"/>
+                <a:cs typeface="Courier New" panose="02070309020205020404" pitchFamily="49" charset="0"/>
+              </a:rPr>
+              <a:t>	</a:t>
+            </a:r>
+            <a:r>
+              <a:rPr lang="pt-BR" sz="2600" dirty="0" err="1">
+                <a:solidFill>
+                  <a:srgbClr val="6A986A"/>
+                </a:solidFill>
+                <a:latin typeface="Courier New" panose="02070309020205020404" pitchFamily="49" charset="0"/>
+                <a:cs typeface="Courier New" panose="02070309020205020404" pitchFamily="49" charset="0"/>
+              </a:rPr>
+              <a:t>mapOutputVariables</a:t>
+            </a:r>
+            <a:r>
+              <a:rPr lang="pt-BR" sz="2600" dirty="0">
+                <a:solidFill>
+                  <a:srgbClr val="6A986A"/>
+                </a:solidFill>
+                <a:latin typeface="Courier New" panose="02070309020205020404" pitchFamily="49" charset="0"/>
+                <a:cs typeface="Courier New" panose="02070309020205020404" pitchFamily="49" charset="0"/>
+              </a:rPr>
+              <a:t>(</a:t>
+            </a:r>
+            <a:r>
+              <a:rPr lang="pt-BR" sz="2600" dirty="0" err="1">
+                <a:solidFill>
+                  <a:srgbClr val="6A986A"/>
+                </a:solidFill>
+                <a:latin typeface="Courier New" panose="02070309020205020404" pitchFamily="49" charset="0"/>
+                <a:cs typeface="Courier New" panose="02070309020205020404" pitchFamily="49" charset="0"/>
+              </a:rPr>
+              <a:t>DelegateExecution</a:t>
+            </a:r>
+            <a:r>
+              <a:rPr lang="pt-BR" sz="2600" dirty="0">
+                <a:solidFill>
+                  <a:srgbClr val="6A986A"/>
+                </a:solidFill>
+                <a:latin typeface="Courier New" panose="02070309020205020404" pitchFamily="49" charset="0"/>
+                <a:cs typeface="Courier New" panose="02070309020205020404" pitchFamily="49" charset="0"/>
+              </a:rPr>
+              <a:t>, </a:t>
+            </a:r>
+            <a:r>
+              <a:rPr lang="pt-BR" sz="2600" dirty="0" err="1">
+                <a:solidFill>
+                  <a:srgbClr val="6A986A"/>
+                </a:solidFill>
+                <a:latin typeface="Courier New" panose="02070309020205020404" pitchFamily="49" charset="0"/>
+                <a:cs typeface="Courier New" panose="02070309020205020404" pitchFamily="49" charset="0"/>
+              </a:rPr>
+              <a:t>VariableScope</a:t>
+            </a:r>
+            <a:r>
+              <a:rPr lang="pt-BR" sz="2600" dirty="0">
+                <a:solidFill>
+                  <a:srgbClr val="6A986A"/>
+                </a:solidFill>
+                <a:latin typeface="Courier New" panose="02070309020205020404" pitchFamily="49" charset="0"/>
+                <a:cs typeface="Courier New" panose="02070309020205020404" pitchFamily="49" charset="0"/>
+              </a:rPr>
+              <a:t>)</a:t>
+            </a:r>
+            <a:r>
+              <a:rPr lang="pt-PT" altLang="pt-BR" sz="2600" dirty="0">
+                <a:solidFill>
+                  <a:srgbClr val="6A986A"/>
+                </a:solidFill>
+                <a:latin typeface="Courier New" panose="02070309020205020404" pitchFamily="49" charset="0"/>
+                <a:cs typeface="Courier New" panose="02070309020205020404" pitchFamily="49" charset="0"/>
+              </a:rPr>
+              <a:t> </a:t>
+            </a:r>
+            <a:endParaRPr lang="pt-BR" altLang="pt-BR" sz="2600" dirty="0">
+              <a:solidFill>
+                <a:srgbClr val="6A986A"/>
+              </a:solidFill>
+              <a:latin typeface="Courier New" panose="02070309020205020404" pitchFamily="49" charset="0"/>
+              <a:cs typeface="Courier New" panose="02070309020205020404" pitchFamily="49" charset="0"/>
+            </a:endParaRPr>
+          </a:p>
+        </p:txBody>
+      </p:sp>
+      <p:sp>
+        <p:nvSpPr>
+          <p:cNvPr id="5" name="Rectangle 2">
+            <a:extLst>
+              <a:ext uri="{FF2B5EF4-FFF2-40B4-BE49-F238E27FC236}">
+                <a16:creationId xmlns:a16="http://schemas.microsoft.com/office/drawing/2014/main" id="{C891C84C-1707-4C59-A97D-40E05AE6F784}"/>
+              </a:ext>
+            </a:extLst>
+          </p:cNvPr>
+          <p:cNvSpPr>
+            <a:spLocks noChangeArrowheads="1"/>
+          </p:cNvSpPr>
+          <p:nvPr/>
+        </p:nvSpPr>
+        <p:spPr bwMode="auto">
+          <a:xfrm>
+            <a:off x="0" y="107728"/>
+            <a:ext cx="65" cy="241744"/>
+          </a:xfrm>
+          <a:prstGeom prst="rect">
+            <a:avLst/>
+          </a:prstGeom>
+          <a:solidFill>
+            <a:srgbClr val="F8F9FA"/>
+          </a:solidFill>
+          <a:ln>
+            <a:noFill/>
+          </a:ln>
+          <a:effectLst/>
+          <a:extLst>
+            <a:ext uri="{91240B29-F687-4F45-9708-019B960494DF}">
+              <a14:hiddenLine xmlns:a14="http://schemas.microsoft.com/office/drawing/2010/main" w="9525">
+                <a:solidFill>
+                  <a:schemeClr val="tx1"/>
+                </a:solidFill>
+                <a:miter lim="800000"/>
+                <a:headEnd/>
+                <a:tailEnd/>
+              </a14:hiddenLine>
+            </a:ext>
+            <a:ext uri="{AF507438-7753-43E0-B8FC-AC1667EBCBE1}">
+              <a14:hiddenEffects xmlns:a14="http://schemas.microsoft.com/office/drawing/2010/main">
+                <a:effectLst>
+                  <a:outerShdw dist="35921" dir="2700000" algn="ctr" rotWithShape="0">
+                    <a:schemeClr val="bg2"/>
+                  </a:outerShdw>
+                </a:effectLst>
+              </a14:hiddenEffects>
+            </a:ext>
+          </a:extLst>
+        </p:spPr>
+        <p:txBody>
+          <a:bodyPr vert="horz" wrap="none" lIns="0" tIns="-17457" rIns="0" bIns="-17457" numCol="1" anchor="ctr" anchorCtr="0" compatLnSpc="1">
+            <a:prstTxWarp prst="textNoShape">
+              <a:avLst/>
+            </a:prstTxWarp>
+            <a:spAutoFit/>
+          </a:bodyPr>
+          <a:lstStyle/>
+          <a:p>
+            <a:pPr marL="0" marR="0" lvl="0" indent="0" algn="l" defTabSz="914400" rtl="0" eaLnBrk="0" fontAlgn="base" latinLnBrk="0" hangingPunct="0">
+              <a:lnSpc>
+                <a:spcPct val="100000"/>
+              </a:lnSpc>
+              <a:spcBef>
+                <a:spcPct val="0"/>
+              </a:spcBef>
+              <a:spcAft>
+                <a:spcPct val="0"/>
+              </a:spcAft>
+              <a:buClrTx/>
+              <a:buSzTx/>
+              <a:buFontTx/>
+              <a:buNone/>
+              <a:tabLst/>
+            </a:pPr>
+            <a:endParaRPr kumimoji="0" lang="pt-PT" altLang="pt-BR" sz="1800" b="0" i="0" u="none" strike="noStrike" cap="none" normalizeH="0" baseline="0" dirty="0">
+              <a:ln>
+                <a:noFill/>
+              </a:ln>
+              <a:solidFill>
+                <a:schemeClr val="tx1"/>
+              </a:solidFill>
+              <a:effectLst/>
+              <a:latin typeface="Arial" panose="020B0604020202020204" pitchFamily="34" charset="0"/>
+            </a:endParaRPr>
+          </a:p>
+        </p:txBody>
+      </p:sp>
+    </p:spTree>
+    <p:extLst>
+      <p:ext uri="{BB962C8B-B14F-4D97-AF65-F5344CB8AC3E}">
+        <p14:creationId xmlns:p14="http://schemas.microsoft.com/office/powerpoint/2010/main" val="1295691648"/>
+      </p:ext>
+    </p:extLst>
+  </p:cSld>
+  <p:clrMapOvr>
+    <a:masterClrMapping/>
+  </p:clrMapOvr>
+</p:sld>
+</file>
+
+<file path=ppt/slides/slide8.xml><?xml version="1.0" encoding="utf-8"?>
+<p:sld xmlns:a="http://schemas.openxmlformats.org/drawingml/2006/main" xmlns:r="http://schemas.openxmlformats.org/officeDocument/2006/relationships" xmlns:p="http://schemas.openxmlformats.org/presentationml/2006/main">
+  <p:cSld>
+    <p:spTree>
+      <p:nvGrpSpPr>
+        <p:cNvPr id="1" name=""/>
+        <p:cNvGrpSpPr/>
+        <p:nvPr/>
+      </p:nvGrpSpPr>
+      <p:grpSpPr>
+        <a:xfrm>
+          <a:off x="0" y="0"/>
+          <a:ext cx="0" cy="0"/>
+          <a:chOff x="0" y="0"/>
+          <a:chExt cx="0" cy="0"/>
+        </a:xfrm>
+      </p:grpSpPr>
+      <p:sp>
+        <p:nvSpPr>
+          <p:cNvPr id="2" name="Título 1">
+            <a:extLst>
+              <a:ext uri="{FF2B5EF4-FFF2-40B4-BE49-F238E27FC236}">
+                <a16:creationId xmlns:a16="http://schemas.microsoft.com/office/drawing/2014/main" id="{1C0721A9-B8E4-476F-BDCF-80F7AE995040}"/>
+              </a:ext>
+            </a:extLst>
+          </p:cNvPr>
+          <p:cNvSpPr>
+            <a:spLocks noGrp="1"/>
+          </p:cNvSpPr>
+          <p:nvPr>
+            <p:ph type="title"/>
+          </p:nvPr>
+        </p:nvSpPr>
+        <p:spPr>
+          <a:xfrm>
+            <a:off x="739726" y="340729"/>
+            <a:ext cx="10515600" cy="1325563"/>
+          </a:xfrm>
+        </p:spPr>
+        <p:txBody>
+          <a:bodyPr/>
+          <a:lstStyle/>
+          <a:p>
+            <a:r>
+              <a:rPr lang="pt-BR" dirty="0" err="1"/>
+              <a:t>Delegation</a:t>
+            </a:r>
+            <a:r>
+              <a:rPr lang="pt-BR" dirty="0"/>
+              <a:t> </a:t>
+            </a:r>
+            <a:r>
+              <a:rPr lang="pt-BR" dirty="0" err="1"/>
+              <a:t>Code</a:t>
+            </a:r>
+            <a:r>
+              <a:rPr lang="pt-BR" dirty="0"/>
+              <a:t> - </a:t>
+            </a:r>
+            <a:r>
+              <a:rPr lang="pt-BR" dirty="0" err="1"/>
+              <a:t>Delegate</a:t>
+            </a:r>
+            <a:r>
+              <a:rPr lang="pt-BR" dirty="0"/>
+              <a:t> </a:t>
+            </a:r>
+            <a:r>
+              <a:rPr lang="pt-BR" dirty="0" err="1"/>
+              <a:t>Variable</a:t>
+            </a:r>
+            <a:r>
+              <a:rPr lang="pt-BR" dirty="0"/>
+              <a:t> Mapping</a:t>
+            </a:r>
+          </a:p>
+        </p:txBody>
+      </p:sp>
+      <p:sp>
+        <p:nvSpPr>
+          <p:cNvPr id="3" name="Espaço Reservado para Conteúdo 2">
+            <a:extLst>
+              <a:ext uri="{FF2B5EF4-FFF2-40B4-BE49-F238E27FC236}">
+                <a16:creationId xmlns:a16="http://schemas.microsoft.com/office/drawing/2014/main" id="{E767760B-4363-4687-8963-5A1E88F474F2}"/>
+              </a:ext>
+            </a:extLst>
+          </p:cNvPr>
+          <p:cNvSpPr>
+            <a:spLocks noGrp="1"/>
+          </p:cNvSpPr>
+          <p:nvPr>
+            <p:ph idx="1"/>
+          </p:nvPr>
+        </p:nvSpPr>
+        <p:spPr>
+          <a:xfrm>
+            <a:off x="838200" y="1799205"/>
+            <a:ext cx="10515600" cy="4351338"/>
+          </a:xfrm>
+        </p:spPr>
+        <p:txBody>
+          <a:bodyPr/>
+          <a:lstStyle/>
+          <a:p>
+            <a:pPr>
+              <a:lnSpc>
+                <a:spcPct val="70000"/>
+              </a:lnSpc>
+            </a:pPr>
+            <a:r>
+              <a:rPr lang="pt-BR" sz="2600" dirty="0" err="1">
+                <a:solidFill>
+                  <a:srgbClr val="6A986A"/>
+                </a:solidFill>
+                <a:latin typeface="Courier New" panose="02070309020205020404" pitchFamily="49" charset="0"/>
+                <a:cs typeface="Courier New" panose="02070309020205020404" pitchFamily="49" charset="0"/>
+              </a:rPr>
+              <a:t>mapInputVariables</a:t>
+            </a:r>
+            <a:r>
+              <a:rPr lang="pt-BR" sz="2600" dirty="0">
+                <a:solidFill>
+                  <a:srgbClr val="6A986A"/>
+                </a:solidFill>
+                <a:latin typeface="Courier New" panose="02070309020205020404" pitchFamily="49" charset="0"/>
+                <a:cs typeface="Courier New" panose="02070309020205020404" pitchFamily="49" charset="0"/>
+              </a:rPr>
+              <a:t>(</a:t>
+            </a:r>
+            <a:r>
+              <a:rPr lang="pt-BR" sz="2600" dirty="0" err="1">
+                <a:solidFill>
+                  <a:srgbClr val="6A986A"/>
+                </a:solidFill>
+                <a:latin typeface="Courier New" panose="02070309020205020404" pitchFamily="49" charset="0"/>
+                <a:cs typeface="Courier New" panose="02070309020205020404" pitchFamily="49" charset="0"/>
+              </a:rPr>
+              <a:t>DelegateExecution</a:t>
+            </a:r>
+            <a:r>
+              <a:rPr lang="pt-BR" sz="2600" dirty="0">
+                <a:solidFill>
+                  <a:srgbClr val="6A986A"/>
+                </a:solidFill>
+                <a:latin typeface="Courier New" panose="02070309020205020404" pitchFamily="49" charset="0"/>
+                <a:cs typeface="Courier New" panose="02070309020205020404" pitchFamily="49" charset="0"/>
+              </a:rPr>
+              <a:t>, </a:t>
+            </a:r>
+            <a:r>
+              <a:rPr lang="pt-BR" sz="2600" dirty="0" err="1">
+                <a:solidFill>
+                  <a:srgbClr val="6A986A"/>
+                </a:solidFill>
+                <a:latin typeface="Courier New" panose="02070309020205020404" pitchFamily="49" charset="0"/>
+                <a:cs typeface="Courier New" panose="02070309020205020404" pitchFamily="49" charset="0"/>
+              </a:rPr>
+              <a:t>VariableMap</a:t>
+            </a:r>
+            <a:r>
+              <a:rPr lang="pt-BR" sz="2600" dirty="0">
+                <a:solidFill>
+                  <a:srgbClr val="6A986A"/>
+                </a:solidFill>
+                <a:latin typeface="Courier New" panose="02070309020205020404" pitchFamily="49" charset="0"/>
+                <a:cs typeface="Courier New" panose="02070309020205020404" pitchFamily="49" charset="0"/>
+              </a:rPr>
+              <a:t>)</a:t>
+            </a:r>
+          </a:p>
+          <a:p>
+            <a:pPr marL="0" indent="0">
+              <a:buNone/>
+            </a:pPr>
+            <a:endParaRPr lang="pt-BR" dirty="0">
+              <a:solidFill>
+                <a:srgbClr val="555555"/>
+              </a:solidFill>
+              <a:latin typeface="Menlo"/>
+            </a:endParaRPr>
+          </a:p>
+          <a:p>
+            <a:pPr marL="514350" indent="-514350">
+              <a:buFont typeface="+mj-lt"/>
+              <a:buAutoNum type="arabicPeriod"/>
+            </a:pPr>
+            <a:r>
+              <a:rPr lang="pt-BR" dirty="0">
+                <a:solidFill>
+                  <a:srgbClr val="555555"/>
+                </a:solidFill>
+                <a:latin typeface="Menlo"/>
+              </a:rPr>
+              <a:t>Corresponde a “contexto” de execução do fluxo principal aonde, é através desta variável que recuperamos as variáveis e outras informações pertinentes aos subprocessos;</a:t>
+            </a:r>
+          </a:p>
+          <a:p>
+            <a:pPr marL="514350" indent="-514350">
+              <a:buFont typeface="+mj-lt"/>
+              <a:buAutoNum type="arabicPeriod"/>
+            </a:pPr>
+            <a:r>
+              <a:rPr lang="pt-BR" dirty="0">
+                <a:solidFill>
+                  <a:srgbClr val="555555"/>
+                </a:solidFill>
+                <a:latin typeface="Menlo"/>
+              </a:rPr>
+              <a:t>Corresponde as variáveis que serão repassadas para o subprocesso definido;</a:t>
+            </a:r>
+            <a:endParaRPr lang="pt-BR" dirty="0"/>
+          </a:p>
+        </p:txBody>
+      </p:sp>
+      <p:sp>
+        <p:nvSpPr>
+          <p:cNvPr id="6" name="Elipse 5">
+            <a:extLst>
+              <a:ext uri="{FF2B5EF4-FFF2-40B4-BE49-F238E27FC236}">
+                <a16:creationId xmlns:a16="http://schemas.microsoft.com/office/drawing/2014/main" id="{3432C64F-51FA-4559-B141-E99FFEDDC344}"/>
+              </a:ext>
+            </a:extLst>
+          </p:cNvPr>
+          <p:cNvSpPr/>
+          <p:nvPr/>
+        </p:nvSpPr>
+        <p:spPr>
+          <a:xfrm>
+            <a:off x="5261317" y="1613173"/>
+            <a:ext cx="239151" cy="239151"/>
+          </a:xfrm>
+          <a:prstGeom prst="ellipse">
+            <a:avLst/>
+          </a:prstGeom>
+        </p:spPr>
+        <p:style>
+          <a:lnRef idx="2">
+            <a:schemeClr val="accent1">
+              <a:shade val="50000"/>
+            </a:schemeClr>
+          </a:lnRef>
+          <a:fillRef idx="1">
+            <a:schemeClr val="accent1"/>
+          </a:fillRef>
+          <a:effectRef idx="0">
+            <a:schemeClr val="accent1"/>
+          </a:effectRef>
+          <a:fontRef idx="minor">
+            <a:schemeClr val="lt1"/>
+          </a:fontRef>
+        </p:style>
+        <p:txBody>
+          <a:bodyPr rtlCol="0" anchor="ctr"/>
+          <a:lstStyle/>
+          <a:p>
+            <a:pPr algn="ctr"/>
+            <a:r>
+              <a:rPr lang="pt-BR" dirty="0"/>
+              <a:t>1</a:t>
+            </a:r>
+          </a:p>
+        </p:txBody>
+      </p:sp>
+      <p:sp>
+        <p:nvSpPr>
+          <p:cNvPr id="7" name="Elipse 6">
+            <a:extLst>
+              <a:ext uri="{FF2B5EF4-FFF2-40B4-BE49-F238E27FC236}">
+                <a16:creationId xmlns:a16="http://schemas.microsoft.com/office/drawing/2014/main" id="{D1E6F45A-08B1-4449-B1BA-D675C1351BCC}"/>
+              </a:ext>
+            </a:extLst>
+          </p:cNvPr>
+          <p:cNvSpPr/>
+          <p:nvPr/>
+        </p:nvSpPr>
+        <p:spPr>
+          <a:xfrm>
+            <a:off x="9507415" y="1560054"/>
+            <a:ext cx="239151" cy="239151"/>
+          </a:xfrm>
+          <a:prstGeom prst="ellipse">
+            <a:avLst/>
+          </a:prstGeom>
+        </p:spPr>
+        <p:style>
+          <a:lnRef idx="2">
+            <a:schemeClr val="accent1">
+              <a:shade val="50000"/>
+            </a:schemeClr>
+          </a:lnRef>
+          <a:fillRef idx="1">
+            <a:schemeClr val="accent1"/>
+          </a:fillRef>
+          <a:effectRef idx="0">
+            <a:schemeClr val="accent1"/>
+          </a:effectRef>
+          <a:fontRef idx="minor">
+            <a:schemeClr val="lt1"/>
+          </a:fontRef>
+        </p:style>
+        <p:txBody>
+          <a:bodyPr rtlCol="0" anchor="ctr"/>
+          <a:lstStyle/>
+          <a:p>
+            <a:pPr algn="ctr"/>
+            <a:r>
+              <a:rPr lang="pt-BR" dirty="0"/>
+              <a:t>2</a:t>
+            </a:r>
+          </a:p>
+        </p:txBody>
+      </p:sp>
+    </p:spTree>
+    <p:extLst>
+      <p:ext uri="{BB962C8B-B14F-4D97-AF65-F5344CB8AC3E}">
+        <p14:creationId xmlns:p14="http://schemas.microsoft.com/office/powerpoint/2010/main" val="180214762"/>
+      </p:ext>
+    </p:extLst>
+  </p:cSld>
+  <p:clrMapOvr>
+    <a:masterClrMapping/>
+  </p:clrMapOvr>
+</p:sld>
+</file>
+
+<file path=ppt/slides/slide9.xml><?xml version="1.0" encoding="utf-8"?>
+<p:sld xmlns:a="http://schemas.openxmlformats.org/drawingml/2006/main" xmlns:r="http://schemas.openxmlformats.org/officeDocument/2006/relationships" xmlns:p="http://schemas.openxmlformats.org/presentationml/2006/main">
+  <p:cSld>
+    <p:spTree>
+      <p:nvGrpSpPr>
+        <p:cNvPr id="1" name=""/>
+        <p:cNvGrpSpPr/>
+        <p:nvPr/>
+      </p:nvGrpSpPr>
+      <p:grpSpPr>
+        <a:xfrm>
+          <a:off x="0" y="0"/>
+          <a:ext cx="0" cy="0"/>
+          <a:chOff x="0" y="0"/>
+          <a:chExt cx="0" cy="0"/>
+        </a:xfrm>
+      </p:grpSpPr>
+      <p:sp>
+        <p:nvSpPr>
+          <p:cNvPr id="2" name="Título 1">
+            <a:extLst>
+              <a:ext uri="{FF2B5EF4-FFF2-40B4-BE49-F238E27FC236}">
+                <a16:creationId xmlns:a16="http://schemas.microsoft.com/office/drawing/2014/main" id="{1C0721A9-B8E4-476F-BDCF-80F7AE995040}"/>
+              </a:ext>
+            </a:extLst>
+          </p:cNvPr>
+          <p:cNvSpPr>
+            <a:spLocks noGrp="1"/>
+          </p:cNvSpPr>
+          <p:nvPr>
+            <p:ph type="title"/>
+          </p:nvPr>
+        </p:nvSpPr>
+        <p:spPr>
+          <a:xfrm>
+            <a:off x="739726" y="340729"/>
+            <a:ext cx="10515600" cy="1325563"/>
+          </a:xfrm>
+        </p:spPr>
+        <p:txBody>
+          <a:bodyPr/>
+          <a:lstStyle/>
+          <a:p>
+            <a:r>
+              <a:rPr lang="pt-BR" dirty="0" err="1"/>
+              <a:t>Delegation</a:t>
+            </a:r>
+            <a:r>
+              <a:rPr lang="pt-BR" dirty="0"/>
+              <a:t> </a:t>
+            </a:r>
+            <a:r>
+              <a:rPr lang="pt-BR" dirty="0" err="1"/>
+              <a:t>Code</a:t>
+            </a:r>
+            <a:r>
+              <a:rPr lang="pt-BR" dirty="0"/>
+              <a:t> - </a:t>
+            </a:r>
+            <a:r>
+              <a:rPr lang="pt-BR" dirty="0" err="1"/>
+              <a:t>Delegate</a:t>
+            </a:r>
+            <a:r>
+              <a:rPr lang="pt-BR" dirty="0"/>
+              <a:t> </a:t>
+            </a:r>
+            <a:r>
+              <a:rPr lang="pt-BR" dirty="0" err="1"/>
+              <a:t>Variable</a:t>
+            </a:r>
+            <a:r>
+              <a:rPr lang="pt-BR" dirty="0"/>
+              <a:t> Mapping</a:t>
+            </a:r>
+          </a:p>
+        </p:txBody>
+      </p:sp>
+      <p:sp>
+        <p:nvSpPr>
+          <p:cNvPr id="3" name="Espaço Reservado para Conteúdo 2">
+            <a:extLst>
+              <a:ext uri="{FF2B5EF4-FFF2-40B4-BE49-F238E27FC236}">
+                <a16:creationId xmlns:a16="http://schemas.microsoft.com/office/drawing/2014/main" id="{E767760B-4363-4687-8963-5A1E88F474F2}"/>
+              </a:ext>
+            </a:extLst>
+          </p:cNvPr>
+          <p:cNvSpPr>
+            <a:spLocks noGrp="1"/>
+          </p:cNvSpPr>
+          <p:nvPr>
+            <p:ph idx="1"/>
+          </p:nvPr>
+        </p:nvSpPr>
+        <p:spPr>
+          <a:xfrm>
+            <a:off x="838200" y="1799205"/>
+            <a:ext cx="10515600" cy="4351338"/>
+          </a:xfrm>
+        </p:spPr>
+        <p:txBody>
+          <a:bodyPr/>
+          <a:lstStyle/>
+          <a:p>
+            <a:pPr marL="0" indent="0">
+              <a:buNone/>
+            </a:pPr>
+            <a:r>
+              <a:rPr lang="pt-BR" sz="2600" dirty="0" err="1">
+                <a:solidFill>
+                  <a:srgbClr val="6A986A"/>
+                </a:solidFill>
+                <a:latin typeface="Courier New" panose="02070309020205020404" pitchFamily="49" charset="0"/>
+                <a:cs typeface="Courier New" panose="02070309020205020404" pitchFamily="49" charset="0"/>
+              </a:rPr>
+              <a:t>mapOutputVariables</a:t>
+            </a:r>
+            <a:r>
+              <a:rPr lang="pt-BR" sz="2600" dirty="0">
+                <a:solidFill>
+                  <a:srgbClr val="6A986A"/>
+                </a:solidFill>
+                <a:latin typeface="Courier New" panose="02070309020205020404" pitchFamily="49" charset="0"/>
+                <a:cs typeface="Courier New" panose="02070309020205020404" pitchFamily="49" charset="0"/>
+              </a:rPr>
+              <a:t>(</a:t>
+            </a:r>
+            <a:r>
+              <a:rPr lang="pt-BR" sz="2600" dirty="0" err="1">
+                <a:solidFill>
+                  <a:srgbClr val="6A986A"/>
+                </a:solidFill>
+                <a:latin typeface="Courier New" panose="02070309020205020404" pitchFamily="49" charset="0"/>
+                <a:cs typeface="Courier New" panose="02070309020205020404" pitchFamily="49" charset="0"/>
+              </a:rPr>
+              <a:t>DelegateExecution</a:t>
+            </a:r>
+            <a:r>
+              <a:rPr lang="pt-BR" sz="2600" dirty="0">
+                <a:solidFill>
+                  <a:srgbClr val="6A986A"/>
+                </a:solidFill>
+                <a:latin typeface="Courier New" panose="02070309020205020404" pitchFamily="49" charset="0"/>
+                <a:cs typeface="Courier New" panose="02070309020205020404" pitchFamily="49" charset="0"/>
+              </a:rPr>
+              <a:t>, </a:t>
+            </a:r>
+            <a:r>
+              <a:rPr lang="pt-BR" sz="2600" dirty="0" err="1">
+                <a:solidFill>
+                  <a:srgbClr val="6A986A"/>
+                </a:solidFill>
+                <a:latin typeface="Courier New" panose="02070309020205020404" pitchFamily="49" charset="0"/>
+                <a:cs typeface="Courier New" panose="02070309020205020404" pitchFamily="49" charset="0"/>
+              </a:rPr>
+              <a:t>VariableScope</a:t>
+            </a:r>
+            <a:r>
+              <a:rPr lang="pt-BR" sz="2600" dirty="0">
+                <a:solidFill>
+                  <a:srgbClr val="6A986A"/>
+                </a:solidFill>
+                <a:latin typeface="Courier New" panose="02070309020205020404" pitchFamily="49" charset="0"/>
+                <a:cs typeface="Courier New" panose="02070309020205020404" pitchFamily="49" charset="0"/>
+              </a:rPr>
+              <a:t>)</a:t>
+            </a:r>
+          </a:p>
+          <a:p>
+            <a:pPr marL="0" indent="0">
+              <a:buNone/>
+            </a:pPr>
+            <a:endParaRPr lang="pt-BR" dirty="0">
+              <a:solidFill>
+                <a:srgbClr val="555555"/>
+              </a:solidFill>
+              <a:latin typeface="Menlo"/>
+            </a:endParaRPr>
+          </a:p>
+          <a:p>
+            <a:pPr marL="514350" indent="-514350">
+              <a:buFont typeface="+mj-lt"/>
+              <a:buAutoNum type="arabicPeriod"/>
+            </a:pPr>
+            <a:r>
+              <a:rPr lang="pt-BR" dirty="0">
+                <a:solidFill>
+                  <a:srgbClr val="555555"/>
+                </a:solidFill>
+                <a:latin typeface="Menlo"/>
+              </a:rPr>
+              <a:t>Corresponde a “contexto” de execução do fluxo principal aonde poderemos definir novas variáveis, decorrente do trabalho do subprocesso.</a:t>
+            </a:r>
+          </a:p>
+          <a:p>
+            <a:pPr marL="514350" indent="-514350">
+              <a:buFont typeface="+mj-lt"/>
+              <a:buAutoNum type="arabicPeriod"/>
+            </a:pPr>
+            <a:r>
+              <a:rPr lang="pt-BR" dirty="0">
+                <a:solidFill>
+                  <a:srgbClr val="555555"/>
+                </a:solidFill>
+                <a:latin typeface="Menlo"/>
+              </a:rPr>
+              <a:t>Corresponde as variáveis devolvidas ao fim do subprocesso e capturadas pelo </a:t>
+            </a:r>
+            <a:r>
+              <a:rPr lang="pt-BR" dirty="0" err="1">
+                <a:solidFill>
+                  <a:srgbClr val="555555"/>
+                </a:solidFill>
+                <a:latin typeface="Menlo"/>
+              </a:rPr>
+              <a:t>Delegate</a:t>
+            </a:r>
+            <a:r>
+              <a:rPr lang="pt-BR" dirty="0">
+                <a:solidFill>
+                  <a:srgbClr val="555555"/>
+                </a:solidFill>
+                <a:latin typeface="Menlo"/>
+              </a:rPr>
+              <a:t> </a:t>
+            </a:r>
+            <a:r>
+              <a:rPr lang="pt-BR" dirty="0" err="1">
+                <a:solidFill>
+                  <a:srgbClr val="555555"/>
+                </a:solidFill>
+                <a:latin typeface="Menlo"/>
+              </a:rPr>
+              <a:t>Variable</a:t>
+            </a:r>
+            <a:r>
+              <a:rPr lang="pt-BR" dirty="0">
+                <a:solidFill>
+                  <a:srgbClr val="555555"/>
+                </a:solidFill>
+                <a:latin typeface="Menlo"/>
+              </a:rPr>
+              <a:t> Mapping;</a:t>
+            </a:r>
+            <a:endParaRPr lang="pt-BR" dirty="0"/>
+          </a:p>
+        </p:txBody>
+      </p:sp>
+      <p:sp>
+        <p:nvSpPr>
+          <p:cNvPr id="6" name="Elipse 5">
+            <a:extLst>
+              <a:ext uri="{FF2B5EF4-FFF2-40B4-BE49-F238E27FC236}">
+                <a16:creationId xmlns:a16="http://schemas.microsoft.com/office/drawing/2014/main" id="{3432C64F-51FA-4559-B141-E99FFEDDC344}"/>
+              </a:ext>
+            </a:extLst>
+          </p:cNvPr>
+          <p:cNvSpPr/>
+          <p:nvPr/>
+        </p:nvSpPr>
+        <p:spPr>
+          <a:xfrm>
+            <a:off x="5261317" y="1613173"/>
+            <a:ext cx="239151" cy="239151"/>
+          </a:xfrm>
+          <a:prstGeom prst="ellipse">
+            <a:avLst/>
+          </a:prstGeom>
+        </p:spPr>
+        <p:style>
+          <a:lnRef idx="2">
+            <a:schemeClr val="accent1">
+              <a:shade val="50000"/>
+            </a:schemeClr>
+          </a:lnRef>
+          <a:fillRef idx="1">
+            <a:schemeClr val="accent1"/>
+          </a:fillRef>
+          <a:effectRef idx="0">
+            <a:schemeClr val="accent1"/>
+          </a:effectRef>
+          <a:fontRef idx="minor">
+            <a:schemeClr val="lt1"/>
+          </a:fontRef>
+        </p:style>
+        <p:txBody>
+          <a:bodyPr rtlCol="0" anchor="ctr"/>
+          <a:lstStyle/>
+          <a:p>
+            <a:pPr algn="ctr"/>
+            <a:r>
+              <a:rPr lang="pt-BR" dirty="0"/>
+              <a:t>1</a:t>
+            </a:r>
+          </a:p>
+        </p:txBody>
+      </p:sp>
+      <p:sp>
+        <p:nvSpPr>
+          <p:cNvPr id="7" name="Elipse 6">
+            <a:extLst>
+              <a:ext uri="{FF2B5EF4-FFF2-40B4-BE49-F238E27FC236}">
+                <a16:creationId xmlns:a16="http://schemas.microsoft.com/office/drawing/2014/main" id="{D1E6F45A-08B1-4449-B1BA-D675C1351BCC}"/>
+              </a:ext>
+            </a:extLst>
+          </p:cNvPr>
+          <p:cNvSpPr/>
+          <p:nvPr/>
+        </p:nvSpPr>
+        <p:spPr>
+          <a:xfrm>
+            <a:off x="9684434" y="1616326"/>
+            <a:ext cx="239151" cy="239151"/>
+          </a:xfrm>
+          <a:prstGeom prst="ellipse">
+            <a:avLst/>
+          </a:prstGeom>
+        </p:spPr>
+        <p:style>
+          <a:lnRef idx="2">
+            <a:schemeClr val="accent1">
+              <a:shade val="50000"/>
+            </a:schemeClr>
+          </a:lnRef>
+          <a:fillRef idx="1">
+            <a:schemeClr val="accent1"/>
+          </a:fillRef>
+          <a:effectRef idx="0">
+            <a:schemeClr val="accent1"/>
+          </a:effectRef>
+          <a:fontRef idx="minor">
+            <a:schemeClr val="lt1"/>
+          </a:fontRef>
+        </p:style>
+        <p:txBody>
+          <a:bodyPr rtlCol="0" anchor="ctr"/>
+          <a:lstStyle/>
+          <a:p>
+            <a:pPr algn="ctr"/>
+            <a:r>
+              <a:rPr lang="pt-BR" dirty="0"/>
+              <a:t>2</a:t>
+            </a:r>
+          </a:p>
+        </p:txBody>
+      </p:sp>
+    </p:spTree>
+    <p:extLst>
+      <p:ext uri="{BB962C8B-B14F-4D97-AF65-F5344CB8AC3E}">
+        <p14:creationId xmlns:p14="http://schemas.microsoft.com/office/powerpoint/2010/main" val="2970315073"/>
       </p:ext>
     </p:extLst>
   </p:cSld>
